--- a/test/pptx/speaker-notes-afterseps/output.pptx
+++ b/test/pptx/speaker-notes-afterseps/output.pptx
@@ -5,7 +5,7 @@
     <p:sldMasterId id="2147483648" r:id="rId1"/>
   </p:sldMasterIdLst>
   <p:notesMasterIdLst>
-    <p:NotesMasterId r:id="rId5"/>
+    <p:notesMasterId r:id="rId5"/>
   </p:notesMasterIdLst>
   <p:sldIdLst>
     <p:sldId id="256" r:id="rId2"/>

--- a/test/pptx/speaker-notes-afterseps/output.pptx
+++ b/test/pptx/speaker-notes-afterseps/output.pptx
@@ -4157,14 +4157,14 @@
           <a:bodyPr/>
           <a:lstStyle/>
           <a:p>
-            <a:pPr lvl="1"/>
+            <a:pPr lvl="0"/>
             <a:r>
               <a:rPr/>
               <a:t>some stuff</a:t>
             </a:r>
           </a:p>
           <a:p>
-            <a:pPr lvl="1"/>
+            <a:pPr lvl="0"/>
             <a:r>
               <a:rPr/>
               <a:t>some more stuff</a:t>

--- a/test/pptx/speaker-notes-afterseps/output.pptx
+++ b/test/pptx/speaker-notes-afterseps/output.pptx
@@ -522,7 +522,7 @@
           <a:bodyPr/>
           <a:lstStyle/>
           <a:p>
-            <a:pPr lvl="0" marL="0" indent="0">
+            <a:pPr lvl="0" indent="0" marL="0">
               <a:buNone/>
             </a:pPr>
             <a:r>
@@ -604,7 +604,7 @@
           <a:bodyPr/>
           <a:lstStyle/>
           <a:p>
-            <a:pPr lvl="0" marL="0" indent="0">
+            <a:pPr lvl="0" indent="0" marL="0">
               <a:buNone/>
             </a:pPr>
             <a:r>
@@ -686,7 +686,7 @@
           <a:bodyPr/>
           <a:lstStyle/>
           <a:p>
-            <a:pPr lvl="0" marL="0" indent="0">
+            <a:pPr lvl="0" indent="0" marL="0">
               <a:buNone/>
             </a:pPr>
             <a:r>
@@ -695,12 +695,12 @@
             </a:r>
           </a:p>
           <a:p>
-            <a:pPr lvl="0" marL="0" indent="0">
+            <a:pPr lvl="0" indent="0" marL="0">
               <a:buNone/>
             </a:pPr>
           </a:p>
           <a:p>
-            <a:pPr lvl="0" marL="0" indent="0">
+            <a:pPr lvl="0" indent="0" marL="0">
               <a:buNone/>
             </a:pPr>
             <a:r>
@@ -3474,7 +3474,7 @@
       </a:lvl1pPr>
     </p:titleStyle>
     <p:bodyStyle>
-      <a:lvl1pPr algn="l" defTabSz="457200" eaLnBrk="1" hangingPunct="1" indent="-342900" latinLnBrk="0" marL="342900" rtl="0">
+      <a:lvl1pPr algn="l" defTabSz="457200" eaLnBrk="1" hangingPunct="1" indent="-457200" latinLnBrk="0" marL="457200" rtl="0">
         <a:spcBef>
           <a:spcPct val="20000"/>
         </a:spcBef>
@@ -3489,7 +3489,7 @@
           <a:cs typeface="+mn-cs"/>
         </a:defRPr>
       </a:lvl1pPr>
-      <a:lvl2pPr algn="l" defTabSz="457200" eaLnBrk="1" hangingPunct="1" indent="-285750" latinLnBrk="0" marL="742950" rtl="0">
+      <a:lvl2pPr algn="l" defTabSz="457200" eaLnBrk="1" hangingPunct="1" indent="-457200" latinLnBrk="0" marL="914400" rtl="0">
         <a:spcBef>
           <a:spcPct val="20000"/>
         </a:spcBef>
@@ -3504,7 +3504,7 @@
           <a:cs typeface="+mn-cs"/>
         </a:defRPr>
       </a:lvl2pPr>
-      <a:lvl3pPr algn="l" defTabSz="457200" eaLnBrk="1" hangingPunct="1" indent="-228600" latinLnBrk="0" marL="1143000" rtl="0">
+      <a:lvl3pPr algn="l" defTabSz="457200" eaLnBrk="1" hangingPunct="1" indent="-457200" latinLnBrk="0" marL="1371600" rtl="0">
         <a:spcBef>
           <a:spcPct val="20000"/>
         </a:spcBef>
@@ -3519,7 +3519,7 @@
           <a:cs typeface="+mn-cs"/>
         </a:defRPr>
       </a:lvl3pPr>
-      <a:lvl4pPr algn="l" defTabSz="457200" eaLnBrk="1" hangingPunct="1" indent="-228600" latinLnBrk="0" marL="1600200" rtl="0">
+      <a:lvl4pPr algn="l" defTabSz="457200" eaLnBrk="1" hangingPunct="1" indent="-457200" latinLnBrk="0" marL="1828800" rtl="0">
         <a:spcBef>
           <a:spcPct val="20000"/>
         </a:spcBef>
@@ -3534,7 +3534,7 @@
           <a:cs typeface="+mn-cs"/>
         </a:defRPr>
       </a:lvl4pPr>
-      <a:lvl5pPr algn="l" defTabSz="457200" eaLnBrk="1" hangingPunct="1" indent="-228600" latinLnBrk="0" marL="2057400" rtl="0">
+      <a:lvl5pPr algn="l" defTabSz="457200" eaLnBrk="1" hangingPunct="1" indent="-457200" latinLnBrk="0" marL="2286000" rtl="0">
         <a:spcBef>
           <a:spcPct val="20000"/>
         </a:spcBef>
@@ -3549,7 +3549,7 @@
           <a:cs typeface="+mn-cs"/>
         </a:defRPr>
       </a:lvl5pPr>
-      <a:lvl6pPr algn="l" defTabSz="457200" eaLnBrk="1" hangingPunct="1" indent="-228600" latinLnBrk="0" marL="2514600" rtl="0">
+      <a:lvl6pPr algn="l" defTabSz="457200" eaLnBrk="1" hangingPunct="1" indent="-457200" latinLnBrk="0" marL="2743200" rtl="0">
         <a:spcBef>
           <a:spcPct val="20000"/>
         </a:spcBef>
@@ -3564,7 +3564,7 @@
           <a:cs typeface="+mn-cs"/>
         </a:defRPr>
       </a:lvl6pPr>
-      <a:lvl7pPr algn="l" defTabSz="457200" eaLnBrk="1" hangingPunct="1" indent="-228600" latinLnBrk="0" marL="2971800" rtl="0">
+      <a:lvl7pPr algn="l" defTabSz="457200" eaLnBrk="1" hangingPunct="1" indent="-457200" latinLnBrk="0" marL="3200400" rtl="0">
         <a:spcBef>
           <a:spcPct val="20000"/>
         </a:spcBef>
@@ -3579,7 +3579,7 @@
           <a:cs typeface="+mn-cs"/>
         </a:defRPr>
       </a:lvl7pPr>
-      <a:lvl8pPr algn="l" defTabSz="457200" eaLnBrk="1" hangingPunct="1" indent="-228600" latinLnBrk="0" marL="3429000" rtl="0">
+      <a:lvl8pPr algn="l" defTabSz="457200" eaLnBrk="1" hangingPunct="1" indent="-457200" latinLnBrk="0" marL="3657600" rtl="0">
         <a:spcBef>
           <a:spcPct val="20000"/>
         </a:spcBef>
@@ -3594,7 +3594,7 @@
           <a:cs typeface="+mn-cs"/>
         </a:defRPr>
       </a:lvl8pPr>
-      <a:lvl9pPr algn="l" defTabSz="457200" eaLnBrk="1" hangingPunct="1" indent="-228600" latinLnBrk="0" marL="3886200" rtl="0">
+      <a:lvl9pPr algn="l" defTabSz="457200" eaLnBrk="1" hangingPunct="1" indent="-457200" latinLnBrk="0" marL="4114800" rtl="0">
         <a:spcBef>
           <a:spcPct val="20000"/>
         </a:spcBef>
@@ -3776,7 +3776,7 @@
           <a:bodyPr/>
           <a:lstStyle/>
           <a:p>
-            <a:pPr lvl="0" marL="0" indent="0" algn="ctr">
+            <a:pPr lvl="0" indent="0" marL="0" algn="ctr">
               <a:buNone/>
             </a:pPr>
             <a:r>
@@ -3840,7 +3840,7 @@
                     <a:bodyPr/>
                     <a:lstStyle/>
                     <a:p>
-                      <a:pPr lvl="0" marL="0" indent="0" algn="r">
+                      <a:pPr lvl="0" indent="0" marL="0" algn="r">
                         <a:buNone/>
                       </a:pPr>
                       <a:r>
@@ -3856,7 +3856,7 @@
                     <a:bodyPr/>
                     <a:lstStyle/>
                     <a:p>
-                      <a:pPr lvl="0" marL="0" indent="0" algn="l">
+                      <a:pPr lvl="0" indent="0" marL="0" algn="l">
                         <a:buNone/>
                       </a:pPr>
                       <a:r>
@@ -3872,7 +3872,7 @@
                     <a:bodyPr/>
                     <a:lstStyle/>
                     <a:p>
-                      <a:pPr lvl="0" marL="0" indent="0" algn="ctr">
+                      <a:pPr lvl="0" indent="0" marL="0" algn="ctr">
                         <a:buNone/>
                       </a:pPr>
                       <a:r>
@@ -3888,7 +3888,7 @@
                     <a:bodyPr/>
                     <a:lstStyle/>
                     <a:p>
-                      <a:pPr lvl="0" marL="0" indent="0">
+                      <a:pPr lvl="0" indent="0" marL="0">
                         <a:buNone/>
                       </a:pPr>
                       <a:r>
@@ -3906,7 +3906,7 @@
                     <a:bodyPr/>
                     <a:lstStyle/>
                     <a:p>
-                      <a:pPr lvl="0" marL="0" indent="0" algn="r">
+                      <a:pPr lvl="0" indent="0" marL="0" algn="r">
                         <a:buNone/>
                       </a:pPr>
                       <a:r>
@@ -3921,7 +3921,7 @@
                     <a:bodyPr/>
                     <a:lstStyle/>
                     <a:p>
-                      <a:pPr lvl="0" marL="0" indent="0" algn="l">
+                      <a:pPr lvl="0" indent="0" marL="0" algn="l">
                         <a:buNone/>
                       </a:pPr>
                       <a:r>
@@ -3936,7 +3936,7 @@
                     <a:bodyPr/>
                     <a:lstStyle/>
                     <a:p>
-                      <a:pPr lvl="0" marL="0" indent="0" algn="ctr">
+                      <a:pPr lvl="0" indent="0" marL="0" algn="ctr">
                         <a:buNone/>
                       </a:pPr>
                       <a:r>
@@ -3951,7 +3951,7 @@
                     <a:bodyPr/>
                     <a:lstStyle/>
                     <a:p>
-                      <a:pPr lvl="0" marL="0" indent="0">
+                      <a:pPr lvl="0" indent="0" marL="0">
                         <a:buNone/>
                       </a:pPr>
                       <a:r>
@@ -3968,7 +3968,7 @@
                     <a:bodyPr/>
                     <a:lstStyle/>
                     <a:p>
-                      <a:pPr lvl="0" marL="0" indent="0" algn="r">
+                      <a:pPr lvl="0" indent="0" marL="0" algn="r">
                         <a:buNone/>
                       </a:pPr>
                       <a:r>
@@ -3983,7 +3983,7 @@
                     <a:bodyPr/>
                     <a:lstStyle/>
                     <a:p>
-                      <a:pPr lvl="0" marL="0" indent="0" algn="l">
+                      <a:pPr lvl="0" indent="0" marL="0" algn="l">
                         <a:buNone/>
                       </a:pPr>
                       <a:r>
@@ -3998,7 +3998,7 @@
                     <a:bodyPr/>
                     <a:lstStyle/>
                     <a:p>
-                      <a:pPr lvl="0" marL="0" indent="0" algn="ctr">
+                      <a:pPr lvl="0" indent="0" marL="0" algn="ctr">
                         <a:buNone/>
                       </a:pPr>
                       <a:r>
@@ -4013,7 +4013,7 @@
                     <a:bodyPr/>
                     <a:lstStyle/>
                     <a:p>
-                      <a:pPr lvl="0" marL="0" indent="0">
+                      <a:pPr lvl="0" indent="0" marL="0">
                         <a:buNone/>
                       </a:pPr>
                       <a:r>
@@ -4030,7 +4030,7 @@
                     <a:bodyPr/>
                     <a:lstStyle/>
                     <a:p>
-                      <a:pPr lvl="0" marL="0" indent="0" algn="r">
+                      <a:pPr lvl="0" indent="0" marL="0" algn="r">
                         <a:buNone/>
                       </a:pPr>
                       <a:r>
@@ -4045,7 +4045,7 @@
                     <a:bodyPr/>
                     <a:lstStyle/>
                     <a:p>
-                      <a:pPr lvl="0" marL="0" indent="0" algn="l">
+                      <a:pPr lvl="0" indent="0" marL="0" algn="l">
                         <a:buNone/>
                       </a:pPr>
                       <a:r>
@@ -4060,7 +4060,7 @@
                     <a:bodyPr/>
                     <a:lstStyle/>
                     <a:p>
-                      <a:pPr lvl="0" marL="0" indent="0" algn="ctr">
+                      <a:pPr lvl="0" indent="0" marL="0" algn="ctr">
                         <a:buNone/>
                       </a:pPr>
                       <a:r>
@@ -4075,7 +4075,7 @@
                     <a:bodyPr/>
                     <a:lstStyle/>
                     <a:p>
-                      <a:pPr lvl="0" marL="0" indent="0">
+                      <a:pPr lvl="0" indent="0" marL="0">
                         <a:buNone/>
                       </a:pPr>
                       <a:r>
@@ -4110,7 +4110,7 @@
           <a:bodyPr/>
           <a:lstStyle/>
           <a:p>
-            <a:pPr lvl="0" marL="0" indent="0" algn="ctr">
+            <a:pPr lvl="0" indent="0" marL="0" algn="ctr">
               <a:buNone/>
             </a:pPr>
             <a:r>
@@ -4187,7 +4187,7 @@
           <a:bodyPr/>
           <a:lstStyle/>
           <a:p>
-            <a:pPr lvl="0" marL="0" indent="0">
+            <a:pPr lvl="0" indent="0" marL="0">
               <a:buNone/>
             </a:pPr>
             <a:r>

--- a/test/pptx/speaker-notes-afterseps/output.pptx
+++ b/test/pptx/speaker-notes-afterseps/output.pptx
@@ -527,23 +527,7 @@
             </a:pPr>
             <a:r>
               <a:rPr/>
-              <a:t>chicken</a:t>
-            </a:r>
-            <a:r>
-              <a:rPr/>
-              <a:t> </a:t>
-            </a:r>
-            <a:r>
-              <a:rPr/>
-              <a:t>and</a:t>
-            </a:r>
-            <a:r>
-              <a:rPr/>
-              <a:t> </a:t>
-            </a:r>
-            <a:r>
-              <a:rPr/>
-              <a:t>dumplings</a:t>
+              <a:t>chicken and dumplings</a:t>
             </a:r>
           </a:p>
         </p:txBody>
@@ -625,15 +609,7 @@
             </a:pPr>
             <a:r>
               <a:rPr/>
-              <a:t>foo</a:t>
-            </a:r>
-            <a:r>
-              <a:rPr/>
-              <a:t> </a:t>
-            </a:r>
-            <a:r>
-              <a:rPr/>
-              <a:t>bar</a:t>
+              <a:t>foo bar</a:t>
             </a:r>
           </a:p>
         </p:txBody>
@@ -715,85 +691,21 @@
             </a:pPr>
             <a:r>
               <a:rPr/>
-              <a:t>Some</a:t>
-            </a:r>
+              <a:t>Some notes inside a column</a:t>
+            </a:r>
+          </a:p>
+          <a:p>
+            <a:pPr lvl="0" marL="0" indent="0">
+              <a:buNone/>
+            </a:pPr>
+          </a:p>
+          <a:p>
+            <a:pPr lvl="0" marL="0" indent="0">
+              <a:buNone/>
+            </a:pPr>
             <a:r>
               <a:rPr/>
-              <a:t> </a:t>
-            </a:r>
-            <a:r>
-              <a:rPr/>
-              <a:t>notes</a:t>
-            </a:r>
-            <a:r>
-              <a:rPr/>
-              <a:t> </a:t>
-            </a:r>
-            <a:r>
-              <a:rPr/>
-              <a:t>inside</a:t>
-            </a:r>
-            <a:r>
-              <a:rPr/>
-              <a:t> </a:t>
-            </a:r>
-            <a:r>
-              <a:rPr/>
-              <a:t>a</a:t>
-            </a:r>
-            <a:r>
-              <a:rPr/>
-              <a:t> </a:t>
-            </a:r>
-            <a:r>
-              <a:rPr/>
-              <a:t>column</a:t>
-            </a:r>
-          </a:p>
-          <a:p>
-            <a:pPr lvl="0" marL="0" indent="0">
-              <a:buNone/>
-            </a:pPr>
-          </a:p>
-          <a:p>
-            <a:pPr lvl="0" marL="0" indent="0">
-              <a:buNone/>
-            </a:pPr>
-            <a:r>
-              <a:rPr/>
-              <a:t>Some</a:t>
-            </a:r>
-            <a:r>
-              <a:rPr/>
-              <a:t> </a:t>
-            </a:r>
-            <a:r>
-              <a:rPr/>
-              <a:t>notes</a:t>
-            </a:r>
-            <a:r>
-              <a:rPr/>
-              <a:t> </a:t>
-            </a:r>
-            <a:r>
-              <a:rPr/>
-              <a:t>outside</a:t>
-            </a:r>
-            <a:r>
-              <a:rPr/>
-              <a:t> </a:t>
-            </a:r>
-            <a:r>
-              <a:rPr/>
-              <a:t>the</a:t>
-            </a:r>
-            <a:r>
-              <a:rPr/>
-              <a:t> </a:t>
-            </a:r>
-            <a:r>
-              <a:rPr/>
-              <a:t>column</a:t>
+              <a:t>Some notes outside the column</a:t>
             </a:r>
           </a:p>
         </p:txBody>
@@ -3869,15 +3781,7 @@
             </a:pPr>
             <a:r>
               <a:rPr/>
-              <a:t>The</a:t>
-            </a:r>
-            <a:r>
-              <a:rPr/>
-              <a:t> </a:t>
-            </a:r>
-            <a:r>
-              <a:rPr/>
-              <a:t>moon</a:t>
+              <a:t>The moon</a:t>
             </a:r>
           </a:p>
         </p:txBody>
@@ -4211,55 +4115,7 @@
             </a:pPr>
             <a:r>
               <a:rPr/>
-              <a:t>Demonstration</a:t>
-            </a:r>
-            <a:r>
-              <a:rPr/>
-              <a:t> </a:t>
-            </a:r>
-            <a:r>
-              <a:rPr/>
-              <a:t>of</a:t>
-            </a:r>
-            <a:r>
-              <a:rPr/>
-              <a:t> </a:t>
-            </a:r>
-            <a:r>
-              <a:rPr/>
-              <a:t>simple</a:t>
-            </a:r>
-            <a:r>
-              <a:rPr/>
-              <a:t> </a:t>
-            </a:r>
-            <a:r>
-              <a:rPr/>
-              <a:t>table</a:t>
-            </a:r>
-            <a:r>
-              <a:rPr/>
-              <a:t> </a:t>
-            </a:r>
-            <a:r>
-              <a:rPr/>
-              <a:t>syntax,</a:t>
-            </a:r>
-            <a:r>
-              <a:rPr/>
-              <a:t> </a:t>
-            </a:r>
-            <a:r>
-              <a:rPr/>
-              <a:t>with</a:t>
-            </a:r>
-            <a:r>
-              <a:rPr/>
-              <a:t> </a:t>
-            </a:r>
-            <a:r>
-              <a:rPr/>
-              <a:t>alignment</a:t>
+              <a:t>Demonstration of simple table syntax, with alignment</a:t>
             </a:r>
           </a:p>
         </p:txBody>

--- a/test/pptx/speaker-notes-afterseps/output.pptx
+++ b/test/pptx/speaker-notes-afterseps/output.pptx
@@ -527,19 +527,11 @@
             </a:pPr>
             <a:r>
               <a:rPr/>
-              <a:t>chicken</a:t>
+              <a:t>chicken </a:t>
             </a:r>
             <a:r>
               <a:rPr/>
-              <a:t> </a:t>
-            </a:r>
-            <a:r>
-              <a:rPr/>
-              <a:t>and</a:t>
-            </a:r>
-            <a:r>
-              <a:rPr/>
-              <a:t> </a:t>
+              <a:t>and </a:t>
             </a:r>
             <a:r>
               <a:rPr/>
@@ -625,11 +617,7 @@
             </a:pPr>
             <a:r>
               <a:rPr/>
-              <a:t>foo</a:t>
-            </a:r>
-            <a:r>
-              <a:rPr/>
-              <a:t> </a:t>
+              <a:t>foo </a:t>
             </a:r>
             <a:r>
               <a:rPr/>
@@ -715,35 +703,19 @@
             </a:pPr>
             <a:r>
               <a:rPr/>
-              <a:t>Some</a:t>
+              <a:t>Some </a:t>
             </a:r>
             <a:r>
               <a:rPr/>
-              <a:t> </a:t>
+              <a:t>notes </a:t>
             </a:r>
             <a:r>
               <a:rPr/>
-              <a:t>notes</a:t>
+              <a:t>inside </a:t>
             </a:r>
             <a:r>
               <a:rPr/>
-              <a:t> </a:t>
-            </a:r>
-            <a:r>
-              <a:rPr/>
-              <a:t>inside</a:t>
-            </a:r>
-            <a:r>
-              <a:rPr/>
-              <a:t> </a:t>
-            </a:r>
-            <a:r>
-              <a:rPr/>
-              <a:t>a</a:t>
-            </a:r>
-            <a:r>
-              <a:rPr/>
-              <a:t> </a:t>
+              <a:t>a </a:t>
             </a:r>
             <a:r>
               <a:rPr/>
@@ -761,35 +733,19 @@
             </a:pPr>
             <a:r>
               <a:rPr/>
-              <a:t>Some</a:t>
+              <a:t>Some </a:t>
             </a:r>
             <a:r>
               <a:rPr/>
-              <a:t> </a:t>
+              <a:t>notes </a:t>
             </a:r>
             <a:r>
               <a:rPr/>
-              <a:t>notes</a:t>
+              <a:t>outside </a:t>
             </a:r>
             <a:r>
               <a:rPr/>
-              <a:t> </a:t>
-            </a:r>
-            <a:r>
-              <a:rPr/>
-              <a:t>outside</a:t>
-            </a:r>
-            <a:r>
-              <a:rPr/>
-              <a:t> </a:t>
-            </a:r>
-            <a:r>
-              <a:rPr/>
-              <a:t>the</a:t>
-            </a:r>
-            <a:r>
-              <a:rPr/>
-              <a:t> </a:t>
+              <a:t>the </a:t>
             </a:r>
             <a:r>
               <a:rPr/>
@@ -3869,11 +3825,7 @@
             </a:pPr>
             <a:r>
               <a:rPr/>
-              <a:t>The</a:t>
-            </a:r>
-            <a:r>
-              <a:rPr/>
-              <a:t> </a:t>
+              <a:t>The </a:t>
             </a:r>
             <a:r>
               <a:rPr/>
@@ -4211,51 +4163,27 @@
             </a:pPr>
             <a:r>
               <a:rPr/>
-              <a:t>Demonstration</a:t>
+              <a:t>Demonstration </a:t>
             </a:r>
             <a:r>
               <a:rPr/>
-              <a:t> </a:t>
+              <a:t>of </a:t>
             </a:r>
             <a:r>
               <a:rPr/>
-              <a:t>of</a:t>
+              <a:t>simple </a:t>
             </a:r>
             <a:r>
               <a:rPr/>
-              <a:t> </a:t>
+              <a:t>table </a:t>
             </a:r>
             <a:r>
               <a:rPr/>
-              <a:t>simple</a:t>
+              <a:t>syntax, </a:t>
             </a:r>
             <a:r>
               <a:rPr/>
-              <a:t> </a:t>
-            </a:r>
-            <a:r>
-              <a:rPr/>
-              <a:t>table</a:t>
-            </a:r>
-            <a:r>
-              <a:rPr/>
-              <a:t> </a:t>
-            </a:r>
-            <a:r>
-              <a:rPr/>
-              <a:t>syntax,</a:t>
-            </a:r>
-            <a:r>
-              <a:rPr/>
-              <a:t> </a:t>
-            </a:r>
-            <a:r>
-              <a:rPr/>
-              <a:t>with</a:t>
-            </a:r>
-            <a:r>
-              <a:rPr/>
-              <a:t> </a:t>
+              <a:t>with </a:t>
             </a:r>
             <a:r>
               <a:rPr/>

--- a/test/pptx/speaker-notes-afterseps/output.pptx
+++ b/test/pptx/speaker-notes-afterseps/output.pptx
@@ -527,11 +527,19 @@
             </a:pPr>
             <a:r>
               <a:rPr/>
-              <a:t>chicken </a:t>
+              <a:t>chicken</a:t>
             </a:r>
             <a:r>
               <a:rPr/>
-              <a:t>and </a:t>
+              <a:t> </a:t>
+            </a:r>
+            <a:r>
+              <a:rPr/>
+              <a:t>and</a:t>
+            </a:r>
+            <a:r>
+              <a:rPr/>
+              <a:t> </a:t>
             </a:r>
             <a:r>
               <a:rPr/>
@@ -617,7 +625,11 @@
             </a:pPr>
             <a:r>
               <a:rPr/>
-              <a:t>foo </a:t>
+              <a:t>foo</a:t>
+            </a:r>
+            <a:r>
+              <a:rPr/>
+              <a:t> </a:t>
             </a:r>
             <a:r>
               <a:rPr/>
@@ -703,19 +715,35 @@
             </a:pPr>
             <a:r>
               <a:rPr/>
-              <a:t>Some </a:t>
+              <a:t>Some</a:t>
             </a:r>
             <a:r>
               <a:rPr/>
-              <a:t>notes </a:t>
+              <a:t> </a:t>
             </a:r>
             <a:r>
               <a:rPr/>
-              <a:t>inside </a:t>
+              <a:t>notes</a:t>
             </a:r>
             <a:r>
               <a:rPr/>
-              <a:t>a </a:t>
+              <a:t> </a:t>
+            </a:r>
+            <a:r>
+              <a:rPr/>
+              <a:t>inside</a:t>
+            </a:r>
+            <a:r>
+              <a:rPr/>
+              <a:t> </a:t>
+            </a:r>
+            <a:r>
+              <a:rPr/>
+              <a:t>a</a:t>
+            </a:r>
+            <a:r>
+              <a:rPr/>
+              <a:t> </a:t>
             </a:r>
             <a:r>
               <a:rPr/>
@@ -733,19 +761,35 @@
             </a:pPr>
             <a:r>
               <a:rPr/>
-              <a:t>Some </a:t>
+              <a:t>Some</a:t>
             </a:r>
             <a:r>
               <a:rPr/>
-              <a:t>notes </a:t>
+              <a:t> </a:t>
             </a:r>
             <a:r>
               <a:rPr/>
-              <a:t>outside </a:t>
+              <a:t>notes</a:t>
             </a:r>
             <a:r>
               <a:rPr/>
-              <a:t>the </a:t>
+              <a:t> </a:t>
+            </a:r>
+            <a:r>
+              <a:rPr/>
+              <a:t>outside</a:t>
+            </a:r>
+            <a:r>
+              <a:rPr/>
+              <a:t> </a:t>
+            </a:r>
+            <a:r>
+              <a:rPr/>
+              <a:t>the</a:t>
+            </a:r>
+            <a:r>
+              <a:rPr/>
+              <a:t> </a:t>
             </a:r>
             <a:r>
               <a:rPr/>
@@ -3825,7 +3869,11 @@
             </a:pPr>
             <a:r>
               <a:rPr/>
-              <a:t>The </a:t>
+              <a:t>The</a:t>
+            </a:r>
+            <a:r>
+              <a:rPr/>
+              <a:t> </a:t>
             </a:r>
             <a:r>
               <a:rPr/>
@@ -4163,27 +4211,51 @@
             </a:pPr>
             <a:r>
               <a:rPr/>
-              <a:t>Demonstration </a:t>
+              <a:t>Demonstration</a:t>
             </a:r>
             <a:r>
               <a:rPr/>
-              <a:t>of </a:t>
+              <a:t> </a:t>
             </a:r>
             <a:r>
               <a:rPr/>
-              <a:t>simple </a:t>
+              <a:t>of</a:t>
             </a:r>
             <a:r>
               <a:rPr/>
-              <a:t>table </a:t>
+              <a:t> </a:t>
             </a:r>
             <a:r>
               <a:rPr/>
-              <a:t>syntax, </a:t>
+              <a:t>simple</a:t>
             </a:r>
             <a:r>
               <a:rPr/>
-              <a:t>with </a:t>
+              <a:t> </a:t>
+            </a:r>
+            <a:r>
+              <a:rPr/>
+              <a:t>table</a:t>
+            </a:r>
+            <a:r>
+              <a:rPr/>
+              <a:t> </a:t>
+            </a:r>
+            <a:r>
+              <a:rPr/>
+              <a:t>syntax,</a:t>
+            </a:r>
+            <a:r>
+              <a:rPr/>
+              <a:t> </a:t>
+            </a:r>
+            <a:r>
+              <a:rPr/>
+              <a:t>with</a:t>
+            </a:r>
+            <a:r>
+              <a:rPr/>
+              <a:t> </a:t>
             </a:r>
             <a:r>
               <a:rPr/>

--- a/test/pptx/speaker-notes-afterseps/output.pptx
+++ b/test/pptx/speaker-notes-afterseps/output.pptx
@@ -12,7 +12,7 @@
     <p:sldId id="257" r:id="rId3"/>
     <p:sldId id="258" r:id="rId4"/>
   </p:sldIdLst>
-  <p:sldSz cx="9144000" cy="6858000" type="screen4x3"/>
+  <p:sldSz cx="9144000" cy="5143500" type="screen16x9"/>
   <p:notesSz cx="6858000" cy="9144000"/>
   <p:defaultTextStyle>
     <a:defPPr>
@@ -112,12 +112,12 @@
   <p:extLst>
     <p:ext uri="{EFAFB233-063F-42B5-8137-9DF3F51BA10A}">
       <p15:sldGuideLst xmlns:p15="http://schemas.microsoft.com/office/powerpoint/2012/main">
-        <p15:guide id="1" orient="horz" pos="2160">
+        <p15:guide id="1" orient="horz" pos="1620" userDrawn="1">
           <p15:clr>
             <a:srgbClr val="A4A3A4"/>
           </p15:clr>
         </p15:guide>
-        <p15:guide id="2" pos="2880">
+        <p15:guide id="2" pos="2880" userDrawn="1">
           <p15:clr>
             <a:srgbClr val="A4A3A4"/>
           </p15:clr>
@@ -210,7 +210,7 @@
           <a:p>
             <a:fld id="{0F9C1CCF-B725-44A7-AA57-5E433BD85C9F}" type="datetimeFigureOut">
               <a:rPr lang="en-US" smtClean="0"/>
-              <a:t>4/5/2019</a:t>
+              <a:t>1/2/22</a:t>
             </a:fld>
             <a:endParaRPr lang="en-US"/>
           </a:p>
@@ -228,8 +228,8 @@
         </p:nvSpPr>
         <p:spPr>
           <a:xfrm>
-            <a:off x="1371600" y="1143000"/>
-            <a:ext cx="4114800" cy="3086100"/>
+            <a:off x="685800" y="1143000"/>
+            <a:ext cx="5486400" cy="3086100"/>
           </a:xfrm>
           <a:prstGeom prst="rect">
             <a:avLst/>
@@ -274,38 +274,37 @@
           <a:p>
             <a:pPr lvl="0"/>
             <a:r>
-              <a:rPr lang="en-US" smtClean="0"/>
+              <a:rPr lang="en-US"/>
               <a:t>Click to edit Master text styles</a:t>
             </a:r>
           </a:p>
           <a:p>
             <a:pPr lvl="1"/>
             <a:r>
-              <a:rPr lang="en-US" smtClean="0"/>
+              <a:rPr lang="en-US"/>
               <a:t>Second level</a:t>
             </a:r>
           </a:p>
           <a:p>
             <a:pPr lvl="2"/>
             <a:r>
-              <a:rPr lang="en-US" smtClean="0"/>
+              <a:rPr lang="en-US"/>
               <a:t>Third level</a:t>
             </a:r>
           </a:p>
           <a:p>
             <a:pPr lvl="3"/>
             <a:r>
-              <a:rPr lang="en-US" smtClean="0"/>
+              <a:rPr lang="en-US"/>
               <a:t>Fourth level</a:t>
             </a:r>
           </a:p>
           <a:p>
             <a:pPr lvl="4"/>
             <a:r>
-              <a:rPr lang="en-US" smtClean="0"/>
+              <a:rPr lang="en-US"/>
               <a:t>Fifth level</a:t>
             </a:r>
-            <a:endParaRPr lang="en-US"/>
           </a:p>
         </p:txBody>
       </p:sp>
@@ -767,8 +766,8 @@
         </p:nvSpPr>
         <p:spPr>
           <a:xfrm>
-            <a:off x="685800" y="2130425"/>
-            <a:ext cx="7772400" cy="1470025"/>
+            <a:off x="685800" y="1597819"/>
+            <a:ext cx="7772400" cy="1102519"/>
           </a:xfrm>
         </p:spPr>
         <p:txBody>
@@ -776,10 +775,9 @@
           <a:lstStyle/>
           <a:p>
             <a:r>
-              <a:rPr lang="en-US" smtClean="0"/>
+              <a:rPr lang="en-US"/>
               <a:t>Click to edit Master title style</a:t>
             </a:r>
-            <a:endParaRPr lang="en-US"/>
           </a:p>
         </p:txBody>
       </p:sp>
@@ -795,8 +793,8 @@
         </p:nvSpPr>
         <p:spPr>
           <a:xfrm>
-            <a:off x="1371600" y="3886200"/>
-            <a:ext cx="6400800" cy="1752600"/>
+            <a:off x="1371600" y="2914650"/>
+            <a:ext cx="6400800" cy="1314450"/>
           </a:xfrm>
         </p:spPr>
         <p:txBody>
@@ -812,7 +810,7 @@
                 </a:solidFill>
               </a:defRPr>
             </a:lvl1pPr>
-            <a:lvl2pPr marL="457200" indent="0" algn="ctr">
+            <a:lvl2pPr marL="342900" indent="0" algn="ctr">
               <a:buNone/>
               <a:defRPr>
                 <a:solidFill>
@@ -822,7 +820,7 @@
                 </a:solidFill>
               </a:defRPr>
             </a:lvl2pPr>
-            <a:lvl3pPr marL="914400" indent="0" algn="ctr">
+            <a:lvl3pPr marL="685800" indent="0" algn="ctr">
               <a:buNone/>
               <a:defRPr>
                 <a:solidFill>
@@ -832,7 +830,7 @@
                 </a:solidFill>
               </a:defRPr>
             </a:lvl3pPr>
-            <a:lvl4pPr marL="1371600" indent="0" algn="ctr">
+            <a:lvl4pPr marL="1028700" indent="0" algn="ctr">
               <a:buNone/>
               <a:defRPr>
                 <a:solidFill>
@@ -842,7 +840,7 @@
                 </a:solidFill>
               </a:defRPr>
             </a:lvl4pPr>
-            <a:lvl5pPr marL="1828800" indent="0" algn="ctr">
+            <a:lvl5pPr marL="1371600" indent="0" algn="ctr">
               <a:buNone/>
               <a:defRPr>
                 <a:solidFill>
@@ -852,7 +850,7 @@
                 </a:solidFill>
               </a:defRPr>
             </a:lvl5pPr>
-            <a:lvl6pPr marL="2286000" indent="0" algn="ctr">
+            <a:lvl6pPr marL="1714500" indent="0" algn="ctr">
               <a:buNone/>
               <a:defRPr>
                 <a:solidFill>
@@ -862,7 +860,7 @@
                 </a:solidFill>
               </a:defRPr>
             </a:lvl6pPr>
-            <a:lvl7pPr marL="2743200" indent="0" algn="ctr">
+            <a:lvl7pPr marL="2057400" indent="0" algn="ctr">
               <a:buNone/>
               <a:defRPr>
                 <a:solidFill>
@@ -872,7 +870,7 @@
                 </a:solidFill>
               </a:defRPr>
             </a:lvl7pPr>
-            <a:lvl8pPr marL="3200400" indent="0" algn="ctr">
+            <a:lvl8pPr marL="2400300" indent="0" algn="ctr">
               <a:buNone/>
               <a:defRPr>
                 <a:solidFill>
@@ -882,7 +880,7 @@
                 </a:solidFill>
               </a:defRPr>
             </a:lvl8pPr>
-            <a:lvl9pPr marL="3657600" indent="0" algn="ctr">
+            <a:lvl9pPr marL="2743200" indent="0" algn="ctr">
               <a:buNone/>
               <a:defRPr>
                 <a:solidFill>
@@ -895,10 +893,9 @@
           </a:lstStyle>
           <a:p>
             <a:r>
-              <a:rPr lang="en-US" smtClean="0"/>
+              <a:rPr lang="en-US"/>
               <a:t>Click to edit Master subtitle style</a:t>
             </a:r>
-            <a:endParaRPr lang="en-US"/>
           </a:p>
         </p:txBody>
       </p:sp>
@@ -919,7 +916,7 @@
           <a:p>
             <a:fld id="{241EB5C9-1307-BA42-ABA2-0BC069CD8E7F}" type="datetimeFigureOut">
               <a:rPr lang="en-US" smtClean="0"/>
-              <a:t>4/5/2019</a:t>
+              <a:t>1/2/22</a:t>
             </a:fld>
             <a:endParaRPr lang="en-US"/>
           </a:p>
@@ -1013,10 +1010,9 @@
           <a:lstStyle/>
           <a:p>
             <a:r>
-              <a:rPr lang="en-US" smtClean="0"/>
+              <a:rPr lang="en-US"/>
               <a:t>Click to edit Master title style</a:t>
             </a:r>
-            <a:endParaRPr lang="en-US"/>
           </a:p>
         </p:txBody>
       </p:sp>
@@ -1037,38 +1033,37 @@
           <a:p>
             <a:pPr lvl="0"/>
             <a:r>
-              <a:rPr lang="en-US" smtClean="0"/>
+              <a:rPr lang="en-US"/>
               <a:t>Click to edit Master text styles</a:t>
             </a:r>
           </a:p>
           <a:p>
             <a:pPr lvl="1"/>
             <a:r>
-              <a:rPr lang="en-US" smtClean="0"/>
+              <a:rPr lang="en-US"/>
               <a:t>Second level</a:t>
             </a:r>
           </a:p>
           <a:p>
             <a:pPr lvl="2"/>
             <a:r>
-              <a:rPr lang="en-US" smtClean="0"/>
+              <a:rPr lang="en-US"/>
               <a:t>Third level</a:t>
             </a:r>
           </a:p>
           <a:p>
             <a:pPr lvl="3"/>
             <a:r>
-              <a:rPr lang="en-US" smtClean="0"/>
+              <a:rPr lang="en-US"/>
               <a:t>Fourth level</a:t>
             </a:r>
           </a:p>
           <a:p>
             <a:pPr lvl="4"/>
             <a:r>
-              <a:rPr lang="en-US" smtClean="0"/>
+              <a:rPr lang="en-US"/>
               <a:t>Fifth level</a:t>
             </a:r>
-            <a:endParaRPr lang="en-US"/>
           </a:p>
         </p:txBody>
       </p:sp>
@@ -1089,7 +1084,7 @@
           <a:p>
             <a:fld id="{241EB5C9-1307-BA42-ABA2-0BC069CD8E7F}" type="datetimeFigureOut">
               <a:rPr lang="en-US" smtClean="0"/>
-              <a:t>4/5/2019</a:t>
+              <a:t>1/2/22</a:t>
             </a:fld>
             <a:endParaRPr lang="en-US"/>
           </a:p>
@@ -1179,8 +1174,8 @@
         </p:nvSpPr>
         <p:spPr>
           <a:xfrm>
-            <a:off x="6629400" y="274638"/>
-            <a:ext cx="2057400" cy="5851525"/>
+            <a:off x="6629400" y="205979"/>
+            <a:ext cx="2057400" cy="4388644"/>
           </a:xfrm>
         </p:spPr>
         <p:txBody>
@@ -1188,10 +1183,9 @@
           <a:lstStyle/>
           <a:p>
             <a:r>
-              <a:rPr lang="en-US" smtClean="0"/>
+              <a:rPr lang="en-US"/>
               <a:t>Click to edit Master title style</a:t>
             </a:r>
-            <a:endParaRPr lang="en-US"/>
           </a:p>
         </p:txBody>
       </p:sp>
@@ -1207,8 +1201,8 @@
         </p:nvSpPr>
         <p:spPr>
           <a:xfrm>
-            <a:off x="457200" y="274638"/>
-            <a:ext cx="6019800" cy="5851525"/>
+            <a:off x="457200" y="205979"/>
+            <a:ext cx="6019800" cy="4388644"/>
           </a:xfrm>
         </p:spPr>
         <p:txBody>
@@ -1217,38 +1211,37 @@
           <a:p>
             <a:pPr lvl="0"/>
             <a:r>
-              <a:rPr lang="en-US" smtClean="0"/>
+              <a:rPr lang="en-US"/>
               <a:t>Click to edit Master text styles</a:t>
             </a:r>
           </a:p>
           <a:p>
             <a:pPr lvl="1"/>
             <a:r>
-              <a:rPr lang="en-US" smtClean="0"/>
+              <a:rPr lang="en-US"/>
               <a:t>Second level</a:t>
             </a:r>
           </a:p>
           <a:p>
             <a:pPr lvl="2"/>
             <a:r>
-              <a:rPr lang="en-US" smtClean="0"/>
+              <a:rPr lang="en-US"/>
               <a:t>Third level</a:t>
             </a:r>
           </a:p>
           <a:p>
             <a:pPr lvl="3"/>
             <a:r>
-              <a:rPr lang="en-US" smtClean="0"/>
+              <a:rPr lang="en-US"/>
               <a:t>Fourth level</a:t>
             </a:r>
           </a:p>
           <a:p>
             <a:pPr lvl="4"/>
             <a:r>
-              <a:rPr lang="en-US" smtClean="0"/>
+              <a:rPr lang="en-US"/>
               <a:t>Fifth level</a:t>
             </a:r>
-            <a:endParaRPr lang="en-US"/>
           </a:p>
         </p:txBody>
       </p:sp>
@@ -1269,7 +1262,7 @@
           <a:p>
             <a:fld id="{241EB5C9-1307-BA42-ABA2-0BC069CD8E7F}" type="datetimeFigureOut">
               <a:rPr lang="en-US" smtClean="0"/>
-              <a:t>4/5/2019</a:t>
+              <a:t>1/2/22</a:t>
             </a:fld>
             <a:endParaRPr lang="en-US"/>
           </a:p>
@@ -1363,10 +1356,9 @@
           <a:lstStyle/>
           <a:p>
             <a:r>
-              <a:rPr lang="en-US" smtClean="0"/>
+              <a:rPr lang="en-US"/>
               <a:t>Click to edit Master title style</a:t>
             </a:r>
-            <a:endParaRPr lang="en-US"/>
           </a:p>
         </p:txBody>
       </p:sp>
@@ -1387,38 +1379,37 @@
           <a:p>
             <a:pPr lvl="0"/>
             <a:r>
-              <a:rPr lang="en-US" smtClean="0"/>
+              <a:rPr lang="en-US"/>
               <a:t>Click to edit Master text styles</a:t>
             </a:r>
           </a:p>
           <a:p>
             <a:pPr lvl="1"/>
             <a:r>
-              <a:rPr lang="en-US" smtClean="0"/>
+              <a:rPr lang="en-US"/>
               <a:t>Second level</a:t>
             </a:r>
           </a:p>
           <a:p>
             <a:pPr lvl="2"/>
             <a:r>
-              <a:rPr lang="en-US" smtClean="0"/>
+              <a:rPr lang="en-US"/>
               <a:t>Third level</a:t>
             </a:r>
           </a:p>
           <a:p>
             <a:pPr lvl="3"/>
             <a:r>
-              <a:rPr lang="en-US" smtClean="0"/>
+              <a:rPr lang="en-US"/>
               <a:t>Fourth level</a:t>
             </a:r>
           </a:p>
           <a:p>
             <a:pPr lvl="4"/>
             <a:r>
-              <a:rPr lang="en-US" smtClean="0"/>
+              <a:rPr lang="en-US"/>
               <a:t>Fifth level</a:t>
             </a:r>
-            <a:endParaRPr lang="en-US"/>
           </a:p>
         </p:txBody>
       </p:sp>
@@ -1439,7 +1430,7 @@
           <a:p>
             <a:fld id="{241EB5C9-1307-BA42-ABA2-0BC069CD8E7F}" type="datetimeFigureOut">
               <a:rPr lang="en-US" smtClean="0"/>
-              <a:t>4/5/2019</a:t>
+              <a:t>1/2/22</a:t>
             </a:fld>
             <a:endParaRPr lang="en-US"/>
           </a:p>
@@ -1529,23 +1520,22 @@
         </p:nvSpPr>
         <p:spPr>
           <a:xfrm>
-            <a:off x="722313" y="4406900"/>
-            <a:ext cx="7772400" cy="1362075"/>
+            <a:off x="722313" y="3305176"/>
+            <a:ext cx="7772400" cy="1021556"/>
           </a:xfrm>
         </p:spPr>
         <p:txBody>
           <a:bodyPr anchor="t"/>
           <a:lstStyle>
             <a:lvl1pPr algn="l">
-              <a:defRPr sz="4000" b="1" cap="all"/>
+              <a:defRPr sz="3000" b="1" cap="all"/>
             </a:lvl1pPr>
           </a:lstStyle>
           <a:p>
             <a:r>
-              <a:rPr lang="en-US" smtClean="0"/>
+              <a:rPr lang="en-US"/>
               <a:t>Click to edit Master title style</a:t>
             </a:r>
-            <a:endParaRPr lang="en-US"/>
           </a:p>
         </p:txBody>
       </p:sp>
@@ -1561,8 +1551,8 @@
         </p:nvSpPr>
         <p:spPr>
           <a:xfrm>
-            <a:off x="722313" y="2906713"/>
-            <a:ext cx="7772400" cy="1500187"/>
+            <a:off x="722313" y="2180035"/>
+            <a:ext cx="7772400" cy="1125140"/>
           </a:xfrm>
         </p:spPr>
         <p:txBody>
@@ -1570,7 +1560,7 @@
           <a:lstStyle>
             <a:lvl1pPr marL="0" indent="0">
               <a:buNone/>
-              <a:defRPr sz="2000">
+              <a:defRPr sz="1500">
                 <a:solidFill>
                   <a:schemeClr val="tx1">
                     <a:tint val="75000"/>
@@ -1578,9 +1568,9 @@
                 </a:solidFill>
               </a:defRPr>
             </a:lvl1pPr>
-            <a:lvl2pPr marL="457200" indent="0">
-              <a:buNone/>
-              <a:defRPr sz="1800">
+            <a:lvl2pPr marL="342900" indent="0">
+              <a:buNone/>
+              <a:defRPr sz="1350">
                 <a:solidFill>
                   <a:schemeClr val="tx1">
                     <a:tint val="75000"/>
@@ -1588,9 +1578,9 @@
                 </a:solidFill>
               </a:defRPr>
             </a:lvl2pPr>
-            <a:lvl3pPr marL="914400" indent="0">
-              <a:buNone/>
-              <a:defRPr sz="1600">
+            <a:lvl3pPr marL="685800" indent="0">
+              <a:buNone/>
+              <a:defRPr sz="1200">
                 <a:solidFill>
                   <a:schemeClr val="tx1">
                     <a:tint val="75000"/>
@@ -1598,9 +1588,9 @@
                 </a:solidFill>
               </a:defRPr>
             </a:lvl3pPr>
-            <a:lvl4pPr marL="1371600" indent="0">
-              <a:buNone/>
-              <a:defRPr sz="1400">
+            <a:lvl4pPr marL="1028700" indent="0">
+              <a:buNone/>
+              <a:defRPr sz="1050">
                 <a:solidFill>
                   <a:schemeClr val="tx1">
                     <a:tint val="75000"/>
@@ -1608,9 +1598,9 @@
                 </a:solidFill>
               </a:defRPr>
             </a:lvl4pPr>
-            <a:lvl5pPr marL="1828800" indent="0">
-              <a:buNone/>
-              <a:defRPr sz="1400">
+            <a:lvl5pPr marL="1371600" indent="0">
+              <a:buNone/>
+              <a:defRPr sz="1050">
                 <a:solidFill>
                   <a:schemeClr val="tx1">
                     <a:tint val="75000"/>
@@ -1618,9 +1608,9 @@
                 </a:solidFill>
               </a:defRPr>
             </a:lvl5pPr>
-            <a:lvl6pPr marL="2286000" indent="0">
-              <a:buNone/>
-              <a:defRPr sz="1400">
+            <a:lvl6pPr marL="1714500" indent="0">
+              <a:buNone/>
+              <a:defRPr sz="1050">
                 <a:solidFill>
                   <a:schemeClr val="tx1">
                     <a:tint val="75000"/>
@@ -1628,9 +1618,9 @@
                 </a:solidFill>
               </a:defRPr>
             </a:lvl6pPr>
-            <a:lvl7pPr marL="2743200" indent="0">
-              <a:buNone/>
-              <a:defRPr sz="1400">
+            <a:lvl7pPr marL="2057400" indent="0">
+              <a:buNone/>
+              <a:defRPr sz="1050">
                 <a:solidFill>
                   <a:schemeClr val="tx1">
                     <a:tint val="75000"/>
@@ -1638,9 +1628,9 @@
                 </a:solidFill>
               </a:defRPr>
             </a:lvl7pPr>
-            <a:lvl8pPr marL="3200400" indent="0">
-              <a:buNone/>
-              <a:defRPr sz="1400">
+            <a:lvl8pPr marL="2400300" indent="0">
+              <a:buNone/>
+              <a:defRPr sz="1050">
                 <a:solidFill>
                   <a:schemeClr val="tx1">
                     <a:tint val="75000"/>
@@ -1648,9 +1638,9 @@
                 </a:solidFill>
               </a:defRPr>
             </a:lvl8pPr>
-            <a:lvl9pPr marL="3657600" indent="0">
-              <a:buNone/>
-              <a:defRPr sz="1400">
+            <a:lvl9pPr marL="2743200" indent="0">
+              <a:buNone/>
+              <a:defRPr sz="1050">
                 <a:solidFill>
                   <a:schemeClr val="tx1">
                     <a:tint val="75000"/>
@@ -1662,7 +1652,7 @@
           <a:p>
             <a:pPr lvl="0"/>
             <a:r>
-              <a:rPr lang="en-US" smtClean="0"/>
+              <a:rPr lang="en-US"/>
               <a:t>Click to edit Master text styles</a:t>
             </a:r>
           </a:p>
@@ -1685,7 +1675,7 @@
           <a:p>
             <a:fld id="{241EB5C9-1307-BA42-ABA2-0BC069CD8E7F}" type="datetimeFigureOut">
               <a:rPr lang="en-US" smtClean="0"/>
-              <a:t>4/5/2019</a:t>
+              <a:t>1/2/22</a:t>
             </a:fld>
             <a:endParaRPr lang="en-US"/>
           </a:p>
@@ -1779,10 +1769,9 @@
           <a:lstStyle/>
           <a:p>
             <a:r>
-              <a:rPr lang="en-US" smtClean="0"/>
+              <a:rPr lang="en-US"/>
               <a:t>Click to edit Master title style</a:t>
             </a:r>
-            <a:endParaRPr lang="en-US"/>
           </a:p>
         </p:txBody>
       </p:sp>
@@ -1798,76 +1787,75 @@
         </p:nvSpPr>
         <p:spPr>
           <a:xfrm>
-            <a:off x="457200" y="1600200"/>
-            <a:ext cx="4038600" cy="4525963"/>
+            <a:off x="457200" y="1200151"/>
+            <a:ext cx="4038600" cy="3394472"/>
           </a:xfrm>
         </p:spPr>
         <p:txBody>
           <a:bodyPr/>
           <a:lstStyle>
             <a:lvl1pPr>
-              <a:defRPr sz="2800"/>
+              <a:defRPr sz="2100"/>
             </a:lvl1pPr>
             <a:lvl2pPr>
-              <a:defRPr sz="2400"/>
+              <a:defRPr sz="1800"/>
             </a:lvl2pPr>
             <a:lvl3pPr>
-              <a:defRPr sz="2000"/>
+              <a:defRPr sz="1500"/>
             </a:lvl3pPr>
             <a:lvl4pPr>
-              <a:defRPr sz="1800"/>
+              <a:defRPr sz="1350"/>
             </a:lvl4pPr>
             <a:lvl5pPr>
-              <a:defRPr sz="1800"/>
+              <a:defRPr sz="1350"/>
             </a:lvl5pPr>
             <a:lvl6pPr>
-              <a:defRPr sz="1800"/>
+              <a:defRPr sz="1350"/>
             </a:lvl6pPr>
             <a:lvl7pPr>
-              <a:defRPr sz="1800"/>
+              <a:defRPr sz="1350"/>
             </a:lvl7pPr>
             <a:lvl8pPr>
-              <a:defRPr sz="1800"/>
+              <a:defRPr sz="1350"/>
             </a:lvl8pPr>
             <a:lvl9pPr>
-              <a:defRPr sz="1800"/>
+              <a:defRPr sz="1350"/>
             </a:lvl9pPr>
           </a:lstStyle>
           <a:p>
             <a:pPr lvl="0"/>
             <a:r>
-              <a:rPr lang="en-US" smtClean="0"/>
+              <a:rPr lang="en-US"/>
               <a:t>Click to edit Master text styles</a:t>
             </a:r>
           </a:p>
           <a:p>
             <a:pPr lvl="1"/>
             <a:r>
-              <a:rPr lang="en-US" smtClean="0"/>
+              <a:rPr lang="en-US"/>
               <a:t>Second level</a:t>
             </a:r>
           </a:p>
           <a:p>
             <a:pPr lvl="2"/>
             <a:r>
-              <a:rPr lang="en-US" smtClean="0"/>
+              <a:rPr lang="en-US"/>
               <a:t>Third level</a:t>
             </a:r>
           </a:p>
           <a:p>
             <a:pPr lvl="3"/>
             <a:r>
-              <a:rPr lang="en-US" smtClean="0"/>
+              <a:rPr lang="en-US"/>
               <a:t>Fourth level</a:t>
             </a:r>
           </a:p>
           <a:p>
             <a:pPr lvl="4"/>
             <a:r>
-              <a:rPr lang="en-US" smtClean="0"/>
+              <a:rPr lang="en-US"/>
               <a:t>Fifth level</a:t>
             </a:r>
-            <a:endParaRPr lang="en-US"/>
           </a:p>
         </p:txBody>
       </p:sp>
@@ -1883,76 +1871,75 @@
         </p:nvSpPr>
         <p:spPr>
           <a:xfrm>
-            <a:off x="4648200" y="1600200"/>
-            <a:ext cx="4038600" cy="4525963"/>
+            <a:off x="4648200" y="1200151"/>
+            <a:ext cx="4038600" cy="3394472"/>
           </a:xfrm>
         </p:spPr>
         <p:txBody>
           <a:bodyPr/>
           <a:lstStyle>
             <a:lvl1pPr>
-              <a:defRPr sz="2800"/>
+              <a:defRPr sz="2100"/>
             </a:lvl1pPr>
             <a:lvl2pPr>
-              <a:defRPr sz="2400"/>
+              <a:defRPr sz="1800"/>
             </a:lvl2pPr>
             <a:lvl3pPr>
-              <a:defRPr sz="2000"/>
+              <a:defRPr sz="1500"/>
             </a:lvl3pPr>
             <a:lvl4pPr>
-              <a:defRPr sz="1800"/>
+              <a:defRPr sz="1350"/>
             </a:lvl4pPr>
             <a:lvl5pPr>
-              <a:defRPr sz="1800"/>
+              <a:defRPr sz="1350"/>
             </a:lvl5pPr>
             <a:lvl6pPr>
-              <a:defRPr sz="1800"/>
+              <a:defRPr sz="1350"/>
             </a:lvl6pPr>
             <a:lvl7pPr>
-              <a:defRPr sz="1800"/>
+              <a:defRPr sz="1350"/>
             </a:lvl7pPr>
             <a:lvl8pPr>
-              <a:defRPr sz="1800"/>
+              <a:defRPr sz="1350"/>
             </a:lvl8pPr>
             <a:lvl9pPr>
-              <a:defRPr sz="1800"/>
+              <a:defRPr sz="1350"/>
             </a:lvl9pPr>
           </a:lstStyle>
           <a:p>
             <a:pPr lvl="0"/>
             <a:r>
-              <a:rPr lang="en-US" smtClean="0"/>
+              <a:rPr lang="en-US"/>
               <a:t>Click to edit Master text styles</a:t>
             </a:r>
           </a:p>
           <a:p>
             <a:pPr lvl="1"/>
             <a:r>
-              <a:rPr lang="en-US" smtClean="0"/>
+              <a:rPr lang="en-US"/>
               <a:t>Second level</a:t>
             </a:r>
           </a:p>
           <a:p>
             <a:pPr lvl="2"/>
             <a:r>
-              <a:rPr lang="en-US" smtClean="0"/>
+              <a:rPr lang="en-US"/>
               <a:t>Third level</a:t>
             </a:r>
           </a:p>
           <a:p>
             <a:pPr lvl="3"/>
             <a:r>
-              <a:rPr lang="en-US" smtClean="0"/>
+              <a:rPr lang="en-US"/>
               <a:t>Fourth level</a:t>
             </a:r>
           </a:p>
           <a:p>
             <a:pPr lvl="4"/>
             <a:r>
-              <a:rPr lang="en-US" smtClean="0"/>
+              <a:rPr lang="en-US"/>
               <a:t>Fifth level</a:t>
             </a:r>
-            <a:endParaRPr lang="en-US"/>
           </a:p>
         </p:txBody>
       </p:sp>
@@ -1973,7 +1960,7 @@
           <a:p>
             <a:fld id="{241EB5C9-1307-BA42-ABA2-0BC069CD8E7F}" type="datetimeFigureOut">
               <a:rPr lang="en-US" smtClean="0"/>
-              <a:t>4/5/2019</a:t>
+              <a:t>1/2/22</a:t>
             </a:fld>
             <a:endParaRPr lang="en-US"/>
           </a:p>
@@ -2071,10 +2058,9 @@
           </a:lstStyle>
           <a:p>
             <a:r>
-              <a:rPr lang="en-US" smtClean="0"/>
+              <a:rPr lang="en-US"/>
               <a:t>Click to edit Master title style</a:t>
             </a:r>
-            <a:endParaRPr lang="en-US"/>
           </a:p>
         </p:txBody>
       </p:sp>
@@ -2090,8 +2076,8 @@
         </p:nvSpPr>
         <p:spPr>
           <a:xfrm>
-            <a:off x="457200" y="1535113"/>
-            <a:ext cx="4040188" cy="639762"/>
+            <a:off x="457200" y="1151335"/>
+            <a:ext cx="4040188" cy="479822"/>
           </a:xfrm>
         </p:spPr>
         <p:txBody>
@@ -2099,45 +2085,45 @@
           <a:lstStyle>
             <a:lvl1pPr marL="0" indent="0">
               <a:buNone/>
-              <a:defRPr sz="2400" b="1"/>
+              <a:defRPr sz="1800" b="1"/>
             </a:lvl1pPr>
-            <a:lvl2pPr marL="457200" indent="0">
-              <a:buNone/>
-              <a:defRPr sz="2000" b="1"/>
+            <a:lvl2pPr marL="342900" indent="0">
+              <a:buNone/>
+              <a:defRPr sz="1500" b="1"/>
             </a:lvl2pPr>
-            <a:lvl3pPr marL="914400" indent="0">
-              <a:buNone/>
-              <a:defRPr sz="1800" b="1"/>
+            <a:lvl3pPr marL="685800" indent="0">
+              <a:buNone/>
+              <a:defRPr sz="1350" b="1"/>
             </a:lvl3pPr>
-            <a:lvl4pPr marL="1371600" indent="0">
-              <a:buNone/>
-              <a:defRPr sz="1600" b="1"/>
+            <a:lvl4pPr marL="1028700" indent="0">
+              <a:buNone/>
+              <a:defRPr sz="1200" b="1"/>
             </a:lvl4pPr>
-            <a:lvl5pPr marL="1828800" indent="0">
-              <a:buNone/>
-              <a:defRPr sz="1600" b="1"/>
+            <a:lvl5pPr marL="1371600" indent="0">
+              <a:buNone/>
+              <a:defRPr sz="1200" b="1"/>
             </a:lvl5pPr>
-            <a:lvl6pPr marL="2286000" indent="0">
-              <a:buNone/>
-              <a:defRPr sz="1600" b="1"/>
+            <a:lvl6pPr marL="1714500" indent="0">
+              <a:buNone/>
+              <a:defRPr sz="1200" b="1"/>
             </a:lvl6pPr>
-            <a:lvl7pPr marL="2743200" indent="0">
-              <a:buNone/>
-              <a:defRPr sz="1600" b="1"/>
+            <a:lvl7pPr marL="2057400" indent="0">
+              <a:buNone/>
+              <a:defRPr sz="1200" b="1"/>
             </a:lvl7pPr>
-            <a:lvl8pPr marL="3200400" indent="0">
-              <a:buNone/>
-              <a:defRPr sz="1600" b="1"/>
+            <a:lvl8pPr marL="2400300" indent="0">
+              <a:buNone/>
+              <a:defRPr sz="1200" b="1"/>
             </a:lvl8pPr>
-            <a:lvl9pPr marL="3657600" indent="0">
-              <a:buNone/>
-              <a:defRPr sz="1600" b="1"/>
+            <a:lvl9pPr marL="2743200" indent="0">
+              <a:buNone/>
+              <a:defRPr sz="1200" b="1"/>
             </a:lvl9pPr>
           </a:lstStyle>
           <a:p>
             <a:pPr lvl="0"/>
             <a:r>
-              <a:rPr lang="en-US" smtClean="0"/>
+              <a:rPr lang="en-US"/>
               <a:t>Click to edit Master text styles</a:t>
             </a:r>
           </a:p>
@@ -2155,76 +2141,75 @@
         </p:nvSpPr>
         <p:spPr>
           <a:xfrm>
-            <a:off x="457200" y="2174875"/>
-            <a:ext cx="4040188" cy="3951288"/>
+            <a:off x="457200" y="1631156"/>
+            <a:ext cx="4040188" cy="2963466"/>
           </a:xfrm>
         </p:spPr>
         <p:txBody>
           <a:bodyPr/>
           <a:lstStyle>
             <a:lvl1pPr>
-              <a:defRPr sz="2400"/>
+              <a:defRPr sz="1800"/>
             </a:lvl1pPr>
             <a:lvl2pPr>
-              <a:defRPr sz="2000"/>
+              <a:defRPr sz="1500"/>
             </a:lvl2pPr>
             <a:lvl3pPr>
-              <a:defRPr sz="1800"/>
+              <a:defRPr sz="1350"/>
             </a:lvl3pPr>
             <a:lvl4pPr>
-              <a:defRPr sz="1600"/>
+              <a:defRPr sz="1200"/>
             </a:lvl4pPr>
             <a:lvl5pPr>
-              <a:defRPr sz="1600"/>
+              <a:defRPr sz="1200"/>
             </a:lvl5pPr>
             <a:lvl6pPr>
-              <a:defRPr sz="1600"/>
+              <a:defRPr sz="1200"/>
             </a:lvl6pPr>
             <a:lvl7pPr>
-              <a:defRPr sz="1600"/>
+              <a:defRPr sz="1200"/>
             </a:lvl7pPr>
             <a:lvl8pPr>
-              <a:defRPr sz="1600"/>
+              <a:defRPr sz="1200"/>
             </a:lvl8pPr>
             <a:lvl9pPr>
-              <a:defRPr sz="1600"/>
+              <a:defRPr sz="1200"/>
             </a:lvl9pPr>
           </a:lstStyle>
           <a:p>
             <a:pPr lvl="0"/>
             <a:r>
-              <a:rPr lang="en-US" smtClean="0"/>
+              <a:rPr lang="en-US"/>
               <a:t>Click to edit Master text styles</a:t>
             </a:r>
           </a:p>
           <a:p>
             <a:pPr lvl="1"/>
             <a:r>
-              <a:rPr lang="en-US" smtClean="0"/>
+              <a:rPr lang="en-US"/>
               <a:t>Second level</a:t>
             </a:r>
           </a:p>
           <a:p>
             <a:pPr lvl="2"/>
             <a:r>
-              <a:rPr lang="en-US" smtClean="0"/>
+              <a:rPr lang="en-US"/>
               <a:t>Third level</a:t>
             </a:r>
           </a:p>
           <a:p>
             <a:pPr lvl="3"/>
             <a:r>
-              <a:rPr lang="en-US" smtClean="0"/>
+              <a:rPr lang="en-US"/>
               <a:t>Fourth level</a:t>
             </a:r>
           </a:p>
           <a:p>
             <a:pPr lvl="4"/>
             <a:r>
-              <a:rPr lang="en-US" smtClean="0"/>
+              <a:rPr lang="en-US"/>
               <a:t>Fifth level</a:t>
             </a:r>
-            <a:endParaRPr lang="en-US"/>
           </a:p>
         </p:txBody>
       </p:sp>
@@ -2240,8 +2225,8 @@
         </p:nvSpPr>
         <p:spPr>
           <a:xfrm>
-            <a:off x="4645025" y="1535113"/>
-            <a:ext cx="4041775" cy="639762"/>
+            <a:off x="4645026" y="1151335"/>
+            <a:ext cx="4041775" cy="479822"/>
           </a:xfrm>
         </p:spPr>
         <p:txBody>
@@ -2249,45 +2234,45 @@
           <a:lstStyle>
             <a:lvl1pPr marL="0" indent="0">
               <a:buNone/>
-              <a:defRPr sz="2400" b="1"/>
+              <a:defRPr sz="1800" b="1"/>
             </a:lvl1pPr>
-            <a:lvl2pPr marL="457200" indent="0">
-              <a:buNone/>
-              <a:defRPr sz="2000" b="1"/>
+            <a:lvl2pPr marL="342900" indent="0">
+              <a:buNone/>
+              <a:defRPr sz="1500" b="1"/>
             </a:lvl2pPr>
-            <a:lvl3pPr marL="914400" indent="0">
-              <a:buNone/>
-              <a:defRPr sz="1800" b="1"/>
+            <a:lvl3pPr marL="685800" indent="0">
+              <a:buNone/>
+              <a:defRPr sz="1350" b="1"/>
             </a:lvl3pPr>
-            <a:lvl4pPr marL="1371600" indent="0">
-              <a:buNone/>
-              <a:defRPr sz="1600" b="1"/>
+            <a:lvl4pPr marL="1028700" indent="0">
+              <a:buNone/>
+              <a:defRPr sz="1200" b="1"/>
             </a:lvl4pPr>
-            <a:lvl5pPr marL="1828800" indent="0">
-              <a:buNone/>
-              <a:defRPr sz="1600" b="1"/>
+            <a:lvl5pPr marL="1371600" indent="0">
+              <a:buNone/>
+              <a:defRPr sz="1200" b="1"/>
             </a:lvl5pPr>
-            <a:lvl6pPr marL="2286000" indent="0">
-              <a:buNone/>
-              <a:defRPr sz="1600" b="1"/>
+            <a:lvl6pPr marL="1714500" indent="0">
+              <a:buNone/>
+              <a:defRPr sz="1200" b="1"/>
             </a:lvl6pPr>
-            <a:lvl7pPr marL="2743200" indent="0">
-              <a:buNone/>
-              <a:defRPr sz="1600" b="1"/>
+            <a:lvl7pPr marL="2057400" indent="0">
+              <a:buNone/>
+              <a:defRPr sz="1200" b="1"/>
             </a:lvl7pPr>
-            <a:lvl8pPr marL="3200400" indent="0">
-              <a:buNone/>
-              <a:defRPr sz="1600" b="1"/>
+            <a:lvl8pPr marL="2400300" indent="0">
+              <a:buNone/>
+              <a:defRPr sz="1200" b="1"/>
             </a:lvl8pPr>
-            <a:lvl9pPr marL="3657600" indent="0">
-              <a:buNone/>
-              <a:defRPr sz="1600" b="1"/>
+            <a:lvl9pPr marL="2743200" indent="0">
+              <a:buNone/>
+              <a:defRPr sz="1200" b="1"/>
             </a:lvl9pPr>
           </a:lstStyle>
           <a:p>
             <a:pPr lvl="0"/>
             <a:r>
-              <a:rPr lang="en-US" smtClean="0"/>
+              <a:rPr lang="en-US"/>
               <a:t>Click to edit Master text styles</a:t>
             </a:r>
           </a:p>
@@ -2305,76 +2290,75 @@
         </p:nvSpPr>
         <p:spPr>
           <a:xfrm>
-            <a:off x="4645025" y="2174875"/>
-            <a:ext cx="4041775" cy="3951288"/>
+            <a:off x="4645026" y="1631156"/>
+            <a:ext cx="4041775" cy="2963466"/>
           </a:xfrm>
         </p:spPr>
         <p:txBody>
           <a:bodyPr/>
           <a:lstStyle>
             <a:lvl1pPr>
-              <a:defRPr sz="2400"/>
+              <a:defRPr sz="1800"/>
             </a:lvl1pPr>
             <a:lvl2pPr>
-              <a:defRPr sz="2000"/>
+              <a:defRPr sz="1500"/>
             </a:lvl2pPr>
             <a:lvl3pPr>
-              <a:defRPr sz="1800"/>
+              <a:defRPr sz="1350"/>
             </a:lvl3pPr>
             <a:lvl4pPr>
-              <a:defRPr sz="1600"/>
+              <a:defRPr sz="1200"/>
             </a:lvl4pPr>
             <a:lvl5pPr>
-              <a:defRPr sz="1600"/>
+              <a:defRPr sz="1200"/>
             </a:lvl5pPr>
             <a:lvl6pPr>
-              <a:defRPr sz="1600"/>
+              <a:defRPr sz="1200"/>
             </a:lvl6pPr>
             <a:lvl7pPr>
-              <a:defRPr sz="1600"/>
+              <a:defRPr sz="1200"/>
             </a:lvl7pPr>
             <a:lvl8pPr>
-              <a:defRPr sz="1600"/>
+              <a:defRPr sz="1200"/>
             </a:lvl8pPr>
             <a:lvl9pPr>
-              <a:defRPr sz="1600"/>
+              <a:defRPr sz="1200"/>
             </a:lvl9pPr>
           </a:lstStyle>
           <a:p>
             <a:pPr lvl="0"/>
             <a:r>
-              <a:rPr lang="en-US" smtClean="0"/>
+              <a:rPr lang="en-US"/>
               <a:t>Click to edit Master text styles</a:t>
             </a:r>
           </a:p>
           <a:p>
             <a:pPr lvl="1"/>
             <a:r>
-              <a:rPr lang="en-US" smtClean="0"/>
+              <a:rPr lang="en-US"/>
               <a:t>Second level</a:t>
             </a:r>
           </a:p>
           <a:p>
             <a:pPr lvl="2"/>
             <a:r>
-              <a:rPr lang="en-US" smtClean="0"/>
+              <a:rPr lang="en-US"/>
               <a:t>Third level</a:t>
             </a:r>
           </a:p>
           <a:p>
             <a:pPr lvl="3"/>
             <a:r>
-              <a:rPr lang="en-US" smtClean="0"/>
+              <a:rPr lang="en-US"/>
               <a:t>Fourth level</a:t>
             </a:r>
           </a:p>
           <a:p>
             <a:pPr lvl="4"/>
             <a:r>
-              <a:rPr lang="en-US" smtClean="0"/>
+              <a:rPr lang="en-US"/>
               <a:t>Fifth level</a:t>
             </a:r>
-            <a:endParaRPr lang="en-US"/>
           </a:p>
         </p:txBody>
       </p:sp>
@@ -2395,7 +2379,7 @@
           <a:p>
             <a:fld id="{241EB5C9-1307-BA42-ABA2-0BC069CD8E7F}" type="datetimeFigureOut">
               <a:rPr lang="en-US" smtClean="0"/>
-              <a:t>4/5/2019</a:t>
+              <a:t>1/2/22</a:t>
             </a:fld>
             <a:endParaRPr lang="en-US"/>
           </a:p>
@@ -2489,10 +2473,9 @@
           <a:lstStyle/>
           <a:p>
             <a:r>
-              <a:rPr lang="en-US" smtClean="0"/>
+              <a:rPr lang="en-US"/>
               <a:t>Click to edit Master title style</a:t>
             </a:r>
-            <a:endParaRPr lang="en-US"/>
           </a:p>
         </p:txBody>
       </p:sp>
@@ -2513,7 +2496,7 @@
           <a:p>
             <a:fld id="{241EB5C9-1307-BA42-ABA2-0BC069CD8E7F}" type="datetimeFigureOut">
               <a:rPr lang="en-US" smtClean="0"/>
-              <a:t>4/5/2019</a:t>
+              <a:t>1/2/22</a:t>
             </a:fld>
             <a:endParaRPr lang="en-US"/>
           </a:p>
@@ -2608,7 +2591,7 @@
           <a:p>
             <a:fld id="{241EB5C9-1307-BA42-ABA2-0BC069CD8E7F}" type="datetimeFigureOut">
               <a:rPr lang="en-US" smtClean="0"/>
-              <a:t>4/5/2019</a:t>
+              <a:t>1/2/22</a:t>
             </a:fld>
             <a:endParaRPr lang="en-US"/>
           </a:p>
@@ -2698,23 +2681,22 @@
         </p:nvSpPr>
         <p:spPr>
           <a:xfrm>
-            <a:off x="457200" y="273050"/>
-            <a:ext cx="3008313" cy="1162050"/>
+            <a:off x="457201" y="204787"/>
+            <a:ext cx="3008313" cy="871538"/>
           </a:xfrm>
         </p:spPr>
         <p:txBody>
           <a:bodyPr anchor="b"/>
           <a:lstStyle>
             <a:lvl1pPr algn="l">
-              <a:defRPr sz="2000" b="1"/>
+              <a:defRPr sz="1500" b="1"/>
             </a:lvl1pPr>
           </a:lstStyle>
           <a:p>
             <a:r>
-              <a:rPr lang="en-US" smtClean="0"/>
+              <a:rPr lang="en-US"/>
               <a:t>Click to edit Master title style</a:t>
             </a:r>
-            <a:endParaRPr lang="en-US"/>
           </a:p>
         </p:txBody>
       </p:sp>
@@ -2730,76 +2712,75 @@
         </p:nvSpPr>
         <p:spPr>
           <a:xfrm>
-            <a:off x="3575050" y="273050"/>
-            <a:ext cx="5111750" cy="5853113"/>
+            <a:off x="3575050" y="204788"/>
+            <a:ext cx="5111750" cy="4389835"/>
           </a:xfrm>
         </p:spPr>
         <p:txBody>
           <a:bodyPr/>
           <a:lstStyle>
             <a:lvl1pPr>
-              <a:defRPr sz="3200"/>
+              <a:defRPr sz="2400"/>
             </a:lvl1pPr>
             <a:lvl2pPr>
-              <a:defRPr sz="2800"/>
+              <a:defRPr sz="2100"/>
             </a:lvl2pPr>
             <a:lvl3pPr>
-              <a:defRPr sz="2400"/>
+              <a:defRPr sz="1800"/>
             </a:lvl3pPr>
             <a:lvl4pPr>
-              <a:defRPr sz="2000"/>
+              <a:defRPr sz="1500"/>
             </a:lvl4pPr>
             <a:lvl5pPr>
-              <a:defRPr sz="2000"/>
+              <a:defRPr sz="1500"/>
             </a:lvl5pPr>
             <a:lvl6pPr>
-              <a:defRPr sz="2000"/>
+              <a:defRPr sz="1500"/>
             </a:lvl6pPr>
             <a:lvl7pPr>
-              <a:defRPr sz="2000"/>
+              <a:defRPr sz="1500"/>
             </a:lvl7pPr>
             <a:lvl8pPr>
-              <a:defRPr sz="2000"/>
+              <a:defRPr sz="1500"/>
             </a:lvl8pPr>
             <a:lvl9pPr>
-              <a:defRPr sz="2000"/>
+              <a:defRPr sz="1500"/>
             </a:lvl9pPr>
           </a:lstStyle>
           <a:p>
             <a:pPr lvl="0"/>
             <a:r>
-              <a:rPr lang="en-US" smtClean="0"/>
+              <a:rPr lang="en-US"/>
               <a:t>Click to edit Master text styles</a:t>
             </a:r>
           </a:p>
           <a:p>
             <a:pPr lvl="1"/>
             <a:r>
-              <a:rPr lang="en-US" smtClean="0"/>
+              <a:rPr lang="en-US"/>
               <a:t>Second level</a:t>
             </a:r>
           </a:p>
           <a:p>
             <a:pPr lvl="2"/>
             <a:r>
-              <a:rPr lang="en-US" smtClean="0"/>
+              <a:rPr lang="en-US"/>
               <a:t>Third level</a:t>
             </a:r>
           </a:p>
           <a:p>
             <a:pPr lvl="3"/>
             <a:r>
-              <a:rPr lang="en-US" smtClean="0"/>
+              <a:rPr lang="en-US"/>
               <a:t>Fourth level</a:t>
             </a:r>
           </a:p>
           <a:p>
             <a:pPr lvl="4"/>
             <a:r>
-              <a:rPr lang="en-US" smtClean="0"/>
+              <a:rPr lang="en-US"/>
               <a:t>Fifth level</a:t>
             </a:r>
-            <a:endParaRPr lang="en-US"/>
           </a:p>
         </p:txBody>
       </p:sp>
@@ -2815,8 +2796,8 @@
         </p:nvSpPr>
         <p:spPr>
           <a:xfrm>
-            <a:off x="457200" y="1435100"/>
-            <a:ext cx="3008313" cy="4691063"/>
+            <a:off x="457201" y="1076326"/>
+            <a:ext cx="3008313" cy="3518297"/>
           </a:xfrm>
         </p:spPr>
         <p:txBody>
@@ -2824,45 +2805,45 @@
           <a:lstStyle>
             <a:lvl1pPr marL="0" indent="0">
               <a:buNone/>
-              <a:defRPr sz="1400"/>
+              <a:defRPr sz="1050"/>
             </a:lvl1pPr>
-            <a:lvl2pPr marL="457200" indent="0">
-              <a:buNone/>
-              <a:defRPr sz="1200"/>
+            <a:lvl2pPr marL="342900" indent="0">
+              <a:buNone/>
+              <a:defRPr sz="900"/>
             </a:lvl2pPr>
-            <a:lvl3pPr marL="914400" indent="0">
-              <a:buNone/>
-              <a:defRPr sz="1000"/>
+            <a:lvl3pPr marL="685800" indent="0">
+              <a:buNone/>
+              <a:defRPr sz="750"/>
             </a:lvl3pPr>
-            <a:lvl4pPr marL="1371600" indent="0">
-              <a:buNone/>
-              <a:defRPr sz="900"/>
+            <a:lvl4pPr marL="1028700" indent="0">
+              <a:buNone/>
+              <a:defRPr sz="675"/>
             </a:lvl4pPr>
-            <a:lvl5pPr marL="1828800" indent="0">
-              <a:buNone/>
-              <a:defRPr sz="900"/>
+            <a:lvl5pPr marL="1371600" indent="0">
+              <a:buNone/>
+              <a:defRPr sz="675"/>
             </a:lvl5pPr>
-            <a:lvl6pPr marL="2286000" indent="0">
-              <a:buNone/>
-              <a:defRPr sz="900"/>
+            <a:lvl6pPr marL="1714500" indent="0">
+              <a:buNone/>
+              <a:defRPr sz="675"/>
             </a:lvl6pPr>
-            <a:lvl7pPr marL="2743200" indent="0">
-              <a:buNone/>
-              <a:defRPr sz="900"/>
+            <a:lvl7pPr marL="2057400" indent="0">
+              <a:buNone/>
+              <a:defRPr sz="675"/>
             </a:lvl7pPr>
-            <a:lvl8pPr marL="3200400" indent="0">
-              <a:buNone/>
-              <a:defRPr sz="900"/>
+            <a:lvl8pPr marL="2400300" indent="0">
+              <a:buNone/>
+              <a:defRPr sz="675"/>
             </a:lvl8pPr>
-            <a:lvl9pPr marL="3657600" indent="0">
-              <a:buNone/>
-              <a:defRPr sz="900"/>
+            <a:lvl9pPr marL="2743200" indent="0">
+              <a:buNone/>
+              <a:defRPr sz="675"/>
             </a:lvl9pPr>
           </a:lstStyle>
           <a:p>
             <a:pPr lvl="0"/>
             <a:r>
-              <a:rPr lang="en-US" smtClean="0"/>
+              <a:rPr lang="en-US"/>
               <a:t>Click to edit Master text styles</a:t>
             </a:r>
           </a:p>
@@ -2885,7 +2866,7 @@
           <a:p>
             <a:fld id="{241EB5C9-1307-BA42-ABA2-0BC069CD8E7F}" type="datetimeFigureOut">
               <a:rPr lang="en-US" smtClean="0"/>
-              <a:t>4/5/2019</a:t>
+              <a:t>1/2/22</a:t>
             </a:fld>
             <a:endParaRPr lang="en-US"/>
           </a:p>
@@ -2975,23 +2956,22 @@
         </p:nvSpPr>
         <p:spPr>
           <a:xfrm>
-            <a:off x="1792288" y="4800600"/>
-            <a:ext cx="5486400" cy="566738"/>
+            <a:off x="1792288" y="3600450"/>
+            <a:ext cx="5486400" cy="425054"/>
           </a:xfrm>
         </p:spPr>
         <p:txBody>
           <a:bodyPr anchor="b"/>
           <a:lstStyle>
             <a:lvl1pPr algn="l">
-              <a:defRPr sz="2000" b="1"/>
+              <a:defRPr sz="1500" b="1"/>
             </a:lvl1pPr>
           </a:lstStyle>
           <a:p>
             <a:r>
-              <a:rPr lang="en-US" smtClean="0"/>
+              <a:rPr lang="en-US"/>
               <a:t>Click to edit Master title style</a:t>
             </a:r>
-            <a:endParaRPr lang="en-US"/>
           </a:p>
         </p:txBody>
       </p:sp>
@@ -3007,8 +2987,8 @@
         </p:nvSpPr>
         <p:spPr>
           <a:xfrm>
-            <a:off x="1792288" y="612775"/>
-            <a:ext cx="5486400" cy="4114800"/>
+            <a:off x="1792288" y="459581"/>
+            <a:ext cx="5486400" cy="3086100"/>
           </a:xfrm>
         </p:spPr>
         <p:txBody>
@@ -3016,39 +2996,39 @@
           <a:lstStyle>
             <a:lvl1pPr marL="0" indent="0">
               <a:buNone/>
-              <a:defRPr sz="3200"/>
+              <a:defRPr sz="2400"/>
             </a:lvl1pPr>
-            <a:lvl2pPr marL="457200" indent="0">
-              <a:buNone/>
-              <a:defRPr sz="2800"/>
+            <a:lvl2pPr marL="342900" indent="0">
+              <a:buNone/>
+              <a:defRPr sz="2100"/>
             </a:lvl2pPr>
-            <a:lvl3pPr marL="914400" indent="0">
-              <a:buNone/>
-              <a:defRPr sz="2400"/>
+            <a:lvl3pPr marL="685800" indent="0">
+              <a:buNone/>
+              <a:defRPr sz="1800"/>
             </a:lvl3pPr>
-            <a:lvl4pPr marL="1371600" indent="0">
-              <a:buNone/>
-              <a:defRPr sz="2000"/>
+            <a:lvl4pPr marL="1028700" indent="0">
+              <a:buNone/>
+              <a:defRPr sz="1500"/>
             </a:lvl4pPr>
-            <a:lvl5pPr marL="1828800" indent="0">
-              <a:buNone/>
-              <a:defRPr sz="2000"/>
+            <a:lvl5pPr marL="1371600" indent="0">
+              <a:buNone/>
+              <a:defRPr sz="1500"/>
             </a:lvl5pPr>
-            <a:lvl6pPr marL="2286000" indent="0">
-              <a:buNone/>
-              <a:defRPr sz="2000"/>
+            <a:lvl6pPr marL="1714500" indent="0">
+              <a:buNone/>
+              <a:defRPr sz="1500"/>
             </a:lvl6pPr>
-            <a:lvl7pPr marL="2743200" indent="0">
-              <a:buNone/>
-              <a:defRPr sz="2000"/>
+            <a:lvl7pPr marL="2057400" indent="0">
+              <a:buNone/>
+              <a:defRPr sz="1500"/>
             </a:lvl7pPr>
-            <a:lvl8pPr marL="3200400" indent="0">
-              <a:buNone/>
-              <a:defRPr sz="2000"/>
+            <a:lvl8pPr marL="2400300" indent="0">
+              <a:buNone/>
+              <a:defRPr sz="1500"/>
             </a:lvl8pPr>
-            <a:lvl9pPr marL="3657600" indent="0">
-              <a:buNone/>
-              <a:defRPr sz="2000"/>
+            <a:lvl9pPr marL="2743200" indent="0">
+              <a:buNone/>
+              <a:defRPr sz="1500"/>
             </a:lvl9pPr>
           </a:lstStyle>
           <a:p>
@@ -3068,8 +3048,8 @@
         </p:nvSpPr>
         <p:spPr>
           <a:xfrm>
-            <a:off x="1792288" y="5367338"/>
-            <a:ext cx="5486400" cy="804862"/>
+            <a:off x="1792288" y="4025503"/>
+            <a:ext cx="5486400" cy="603647"/>
           </a:xfrm>
         </p:spPr>
         <p:txBody>
@@ -3077,45 +3057,45 @@
           <a:lstStyle>
             <a:lvl1pPr marL="0" indent="0">
               <a:buNone/>
-              <a:defRPr sz="1400"/>
+              <a:defRPr sz="1050"/>
             </a:lvl1pPr>
-            <a:lvl2pPr marL="457200" indent="0">
-              <a:buNone/>
-              <a:defRPr sz="1200"/>
+            <a:lvl2pPr marL="342900" indent="0">
+              <a:buNone/>
+              <a:defRPr sz="900"/>
             </a:lvl2pPr>
-            <a:lvl3pPr marL="914400" indent="0">
-              <a:buNone/>
-              <a:defRPr sz="1000"/>
+            <a:lvl3pPr marL="685800" indent="0">
+              <a:buNone/>
+              <a:defRPr sz="750"/>
             </a:lvl3pPr>
-            <a:lvl4pPr marL="1371600" indent="0">
-              <a:buNone/>
-              <a:defRPr sz="900"/>
+            <a:lvl4pPr marL="1028700" indent="0">
+              <a:buNone/>
+              <a:defRPr sz="675"/>
             </a:lvl4pPr>
-            <a:lvl5pPr marL="1828800" indent="0">
-              <a:buNone/>
-              <a:defRPr sz="900"/>
+            <a:lvl5pPr marL="1371600" indent="0">
+              <a:buNone/>
+              <a:defRPr sz="675"/>
             </a:lvl5pPr>
-            <a:lvl6pPr marL="2286000" indent="0">
-              <a:buNone/>
-              <a:defRPr sz="900"/>
+            <a:lvl6pPr marL="1714500" indent="0">
+              <a:buNone/>
+              <a:defRPr sz="675"/>
             </a:lvl6pPr>
-            <a:lvl7pPr marL="2743200" indent="0">
-              <a:buNone/>
-              <a:defRPr sz="900"/>
+            <a:lvl7pPr marL="2057400" indent="0">
+              <a:buNone/>
+              <a:defRPr sz="675"/>
             </a:lvl7pPr>
-            <a:lvl8pPr marL="3200400" indent="0">
-              <a:buNone/>
-              <a:defRPr sz="900"/>
+            <a:lvl8pPr marL="2400300" indent="0">
+              <a:buNone/>
+              <a:defRPr sz="675"/>
             </a:lvl8pPr>
-            <a:lvl9pPr marL="3657600" indent="0">
-              <a:buNone/>
-              <a:defRPr sz="900"/>
+            <a:lvl9pPr marL="2743200" indent="0">
+              <a:buNone/>
+              <a:defRPr sz="675"/>
             </a:lvl9pPr>
           </a:lstStyle>
           <a:p>
             <a:pPr lvl="0"/>
             <a:r>
-              <a:rPr lang="en-US" smtClean="0"/>
+              <a:rPr lang="en-US"/>
               <a:t>Click to edit Master text styles</a:t>
             </a:r>
           </a:p>
@@ -3138,7 +3118,7 @@
           <a:p>
             <a:fld id="{241EB5C9-1307-BA42-ABA2-0BC069CD8E7F}" type="datetimeFigureOut">
               <a:rPr lang="en-US" smtClean="0"/>
-              <a:t>4/5/2019</a:t>
+              <a:t>1/2/22</a:t>
             </a:fld>
             <a:endParaRPr lang="en-US"/>
           </a:p>
@@ -3233,8 +3213,8 @@
         </p:nvSpPr>
         <p:spPr>
           <a:xfrm>
-            <a:off x="457200" y="274638"/>
-            <a:ext cx="8229600" cy="1143000"/>
+            <a:off x="457200" y="205979"/>
+            <a:ext cx="8229600" cy="857250"/>
           </a:xfrm>
           <a:prstGeom prst="rect">
             <a:avLst/>
@@ -3247,10 +3227,9 @@
           <a:lstStyle/>
           <a:p>
             <a:r>
-              <a:rPr lang="en-US" smtClean="0"/>
+              <a:rPr lang="en-US"/>
               <a:t>Click to edit Master title style</a:t>
             </a:r>
-            <a:endParaRPr lang="en-US"/>
           </a:p>
         </p:txBody>
       </p:sp>
@@ -3266,8 +3245,8 @@
         </p:nvSpPr>
         <p:spPr>
           <a:xfrm>
-            <a:off x="457200" y="1600200"/>
-            <a:ext cx="8229600" cy="4525963"/>
+            <a:off x="457200" y="1200151"/>
+            <a:ext cx="8229600" cy="3394472"/>
           </a:xfrm>
           <a:prstGeom prst="rect">
             <a:avLst/>
@@ -3281,38 +3260,37 @@
           <a:p>
             <a:pPr lvl="0"/>
             <a:r>
-              <a:rPr lang="en-US" smtClean="0"/>
+              <a:rPr lang="en-US"/>
               <a:t>Click to edit Master text styles</a:t>
             </a:r>
           </a:p>
           <a:p>
             <a:pPr lvl="1"/>
             <a:r>
-              <a:rPr lang="en-US" smtClean="0"/>
+              <a:rPr lang="en-US"/>
               <a:t>Second level</a:t>
             </a:r>
           </a:p>
           <a:p>
             <a:pPr lvl="2"/>
             <a:r>
-              <a:rPr lang="en-US" smtClean="0"/>
+              <a:rPr lang="en-US"/>
               <a:t>Third level</a:t>
             </a:r>
           </a:p>
           <a:p>
             <a:pPr lvl="3"/>
             <a:r>
-              <a:rPr lang="en-US" smtClean="0"/>
+              <a:rPr lang="en-US"/>
               <a:t>Fourth level</a:t>
             </a:r>
           </a:p>
           <a:p>
             <a:pPr lvl="4"/>
             <a:r>
-              <a:rPr lang="en-US" smtClean="0"/>
+              <a:rPr lang="en-US"/>
               <a:t>Fifth level</a:t>
             </a:r>
-            <a:endParaRPr lang="en-US"/>
           </a:p>
         </p:txBody>
       </p:sp>
@@ -3328,8 +3306,8 @@
         </p:nvSpPr>
         <p:spPr>
           <a:xfrm>
-            <a:off x="457200" y="6356350"/>
-            <a:ext cx="2133600" cy="365125"/>
+            <a:off x="457200" y="4767263"/>
+            <a:ext cx="2133600" cy="273844"/>
           </a:xfrm>
           <a:prstGeom prst="rect">
             <a:avLst/>
@@ -3339,7 +3317,7 @@
           <a:bodyPr anchor="ctr" bIns="45720" lIns="91440" rIns="91440" rtlCol="0" tIns="45720" vert="horz"/>
           <a:lstStyle>
             <a:lvl1pPr algn="l">
-              <a:defRPr sz="1200">
+              <a:defRPr sz="900">
                 <a:solidFill>
                   <a:schemeClr val="tx1">
                     <a:tint val="75000"/>
@@ -3351,7 +3329,7 @@
           <a:p>
             <a:fld id="{241EB5C9-1307-BA42-ABA2-0BC069CD8E7F}" type="datetimeFigureOut">
               <a:rPr lang="en-US" smtClean="0"/>
-              <a:t>4/5/2019</a:t>
+              <a:t>1/2/22</a:t>
             </a:fld>
             <a:endParaRPr lang="en-US"/>
           </a:p>
@@ -3369,8 +3347,8 @@
         </p:nvSpPr>
         <p:spPr>
           <a:xfrm>
-            <a:off x="3124200" y="6356350"/>
-            <a:ext cx="2895600" cy="365125"/>
+            <a:off x="3124200" y="4767263"/>
+            <a:ext cx="2895600" cy="273844"/>
           </a:xfrm>
           <a:prstGeom prst="rect">
             <a:avLst/>
@@ -3380,7 +3358,7 @@
           <a:bodyPr anchor="ctr" bIns="45720" lIns="91440" rIns="91440" rtlCol="0" tIns="45720" vert="horz"/>
           <a:lstStyle>
             <a:lvl1pPr algn="ctr">
-              <a:defRPr sz="1200">
+              <a:defRPr sz="900">
                 <a:solidFill>
                   <a:schemeClr val="tx1">
                     <a:tint val="75000"/>
@@ -3406,8 +3384,8 @@
         </p:nvSpPr>
         <p:spPr>
           <a:xfrm>
-            <a:off x="6553200" y="6356350"/>
-            <a:ext cx="2133600" cy="365125"/>
+            <a:off x="6553200" y="4767263"/>
+            <a:ext cx="2133600" cy="273844"/>
           </a:xfrm>
           <a:prstGeom prst="rect">
             <a:avLst/>
@@ -3417,7 +3395,7 @@
           <a:bodyPr anchor="ctr" bIns="45720" lIns="91440" rIns="91440" rtlCol="0" tIns="45720" vert="horz"/>
           <a:lstStyle>
             <a:lvl1pPr algn="r">
-              <a:defRPr sz="1200">
+              <a:defRPr sz="900">
                 <a:solidFill>
                   <a:schemeClr val="tx1">
                     <a:tint val="75000"/>
@@ -3458,12 +3436,12 @@
   </p:sldLayoutIdLst>
   <p:txStyles>
     <p:titleStyle>
-      <a:lvl1pPr algn="ctr" defTabSz="457200" eaLnBrk="1" hangingPunct="1" latinLnBrk="0" rtl="0">
+      <a:lvl1pPr algn="ctr" defTabSz="342900" eaLnBrk="1" hangingPunct="1" latinLnBrk="0" rtl="0">
         <a:spcBef>
           <a:spcPct val="0"/>
         </a:spcBef>
         <a:buNone/>
-        <a:defRPr kern="1200" sz="4400">
+        <a:defRPr kern="1200" sz="3300">
           <a:solidFill>
             <a:schemeClr val="tx1"/>
           </a:solidFill>
@@ -3474,37 +3452,7 @@
       </a:lvl1pPr>
     </p:titleStyle>
     <p:bodyStyle>
-      <a:lvl1pPr algn="l" defTabSz="457200" eaLnBrk="1" hangingPunct="1" indent="-457200" latinLnBrk="0" marL="457200" rtl="0">
-        <a:spcBef>
-          <a:spcPct val="20000"/>
-        </a:spcBef>
-        <a:buFont typeface="Arial"/>
-        <a:buChar char="•"/>
-        <a:defRPr kern="1200" sz="3200">
-          <a:solidFill>
-            <a:schemeClr val="tx1"/>
-          </a:solidFill>
-          <a:latin typeface="+mn-lt"/>
-          <a:ea typeface="+mn-ea"/>
-          <a:cs typeface="+mn-cs"/>
-        </a:defRPr>
-      </a:lvl1pPr>
-      <a:lvl2pPr algn="l" defTabSz="457200" eaLnBrk="1" hangingPunct="1" indent="-457200" latinLnBrk="0" marL="914400" rtl="0">
-        <a:spcBef>
-          <a:spcPct val="20000"/>
-        </a:spcBef>
-        <a:buFont typeface="Arial"/>
-        <a:buChar char="–"/>
-        <a:defRPr kern="1200" sz="2800">
-          <a:solidFill>
-            <a:schemeClr val="tx1"/>
-          </a:solidFill>
-          <a:latin typeface="+mn-lt"/>
-          <a:ea typeface="+mn-ea"/>
-          <a:cs typeface="+mn-cs"/>
-        </a:defRPr>
-      </a:lvl2pPr>
-      <a:lvl3pPr algn="l" defTabSz="457200" eaLnBrk="1" hangingPunct="1" indent="-457200" latinLnBrk="0" marL="1371600" rtl="0">
+      <a:lvl1pPr algn="l" defTabSz="342900" eaLnBrk="1" hangingPunct="1" indent="-342900" latinLnBrk="0" marL="342900" rtl="0">
         <a:spcBef>
           <a:spcPct val="20000"/>
         </a:spcBef>
@@ -3518,14 +3466,44 @@
           <a:ea typeface="+mn-ea"/>
           <a:cs typeface="+mn-cs"/>
         </a:defRPr>
-      </a:lvl3pPr>
-      <a:lvl4pPr algn="l" defTabSz="457200" eaLnBrk="1" hangingPunct="1" indent="-457200" latinLnBrk="0" marL="1828800" rtl="0">
+      </a:lvl1pPr>
+      <a:lvl2pPr algn="l" defTabSz="342900" eaLnBrk="1" hangingPunct="1" indent="-342900" latinLnBrk="0" marL="685800" rtl="0">
         <a:spcBef>
           <a:spcPct val="20000"/>
         </a:spcBef>
         <a:buFont typeface="Arial"/>
         <a:buChar char="–"/>
-        <a:defRPr kern="1200" sz="2000">
+        <a:defRPr kern="1200" sz="2100">
+          <a:solidFill>
+            <a:schemeClr val="tx1"/>
+          </a:solidFill>
+          <a:latin typeface="+mn-lt"/>
+          <a:ea typeface="+mn-ea"/>
+          <a:cs typeface="+mn-cs"/>
+        </a:defRPr>
+      </a:lvl2pPr>
+      <a:lvl3pPr algn="l" defTabSz="342900" eaLnBrk="1" hangingPunct="1" indent="-342900" latinLnBrk="0" marL="1028700" rtl="0">
+        <a:spcBef>
+          <a:spcPct val="20000"/>
+        </a:spcBef>
+        <a:buFont typeface="Arial"/>
+        <a:buChar char="•"/>
+        <a:defRPr kern="1200" sz="1800">
+          <a:solidFill>
+            <a:schemeClr val="tx1"/>
+          </a:solidFill>
+          <a:latin typeface="+mn-lt"/>
+          <a:ea typeface="+mn-ea"/>
+          <a:cs typeface="+mn-cs"/>
+        </a:defRPr>
+      </a:lvl3pPr>
+      <a:lvl4pPr algn="l" defTabSz="342900" eaLnBrk="1" hangingPunct="1" indent="-342900" latinLnBrk="0" marL="1371600" rtl="0">
+        <a:spcBef>
+          <a:spcPct val="20000"/>
+        </a:spcBef>
+        <a:buFont typeface="Arial"/>
+        <a:buChar char="–"/>
+        <a:defRPr kern="1200" sz="1500">
           <a:solidFill>
             <a:schemeClr val="tx1"/>
           </a:solidFill>
@@ -3534,13 +3512,13 @@
           <a:cs typeface="+mn-cs"/>
         </a:defRPr>
       </a:lvl4pPr>
-      <a:lvl5pPr algn="l" defTabSz="457200" eaLnBrk="1" hangingPunct="1" indent="-457200" latinLnBrk="0" marL="2286000" rtl="0">
+      <a:lvl5pPr algn="l" defTabSz="342900" eaLnBrk="1" hangingPunct="1" indent="-342900" latinLnBrk="0" marL="1714500" rtl="0">
         <a:spcBef>
           <a:spcPct val="20000"/>
         </a:spcBef>
         <a:buFont typeface="Arial"/>
         <a:buChar char="»"/>
-        <a:defRPr kern="1200" sz="2000">
+        <a:defRPr kern="1200" sz="1500">
           <a:solidFill>
             <a:schemeClr val="tx1"/>
           </a:solidFill>
@@ -3549,13 +3527,13 @@
           <a:cs typeface="+mn-cs"/>
         </a:defRPr>
       </a:lvl5pPr>
-      <a:lvl6pPr algn="l" defTabSz="457200" eaLnBrk="1" hangingPunct="1" indent="-457200" latinLnBrk="0" marL="2743200" rtl="0">
+      <a:lvl6pPr algn="l" defTabSz="342900" eaLnBrk="1" hangingPunct="1" indent="-342900" latinLnBrk="0" marL="2057400" rtl="0">
         <a:spcBef>
           <a:spcPct val="20000"/>
         </a:spcBef>
         <a:buFont typeface="Arial"/>
         <a:buChar char="•"/>
-        <a:defRPr kern="1200" sz="2000">
+        <a:defRPr kern="1200" sz="1500">
           <a:solidFill>
             <a:schemeClr val="tx1"/>
           </a:solidFill>
@@ -3564,13 +3542,13 @@
           <a:cs typeface="+mn-cs"/>
         </a:defRPr>
       </a:lvl6pPr>
-      <a:lvl7pPr algn="l" defTabSz="457200" eaLnBrk="1" hangingPunct="1" indent="-457200" latinLnBrk="0" marL="3200400" rtl="0">
+      <a:lvl7pPr algn="l" defTabSz="342900" eaLnBrk="1" hangingPunct="1" indent="-342900" latinLnBrk="0" marL="2400300" rtl="0">
         <a:spcBef>
           <a:spcPct val="20000"/>
         </a:spcBef>
         <a:buFont typeface="Arial"/>
         <a:buChar char="•"/>
-        <a:defRPr kern="1200" sz="2000">
+        <a:defRPr kern="1200" sz="1500">
           <a:solidFill>
             <a:schemeClr val="tx1"/>
           </a:solidFill>
@@ -3579,13 +3557,13 @@
           <a:cs typeface="+mn-cs"/>
         </a:defRPr>
       </a:lvl7pPr>
-      <a:lvl8pPr algn="l" defTabSz="457200" eaLnBrk="1" hangingPunct="1" indent="-457200" latinLnBrk="0" marL="3657600" rtl="0">
+      <a:lvl8pPr algn="l" defTabSz="342900" eaLnBrk="1" hangingPunct="1" indent="-342900" latinLnBrk="0" marL="2743200" rtl="0">
         <a:spcBef>
           <a:spcPct val="20000"/>
         </a:spcBef>
         <a:buFont typeface="Arial"/>
         <a:buChar char="•"/>
-        <a:defRPr kern="1200" sz="2000">
+        <a:defRPr kern="1200" sz="1500">
           <a:solidFill>
             <a:schemeClr val="tx1"/>
           </a:solidFill>
@@ -3594,13 +3572,13 @@
           <a:cs typeface="+mn-cs"/>
         </a:defRPr>
       </a:lvl8pPr>
-      <a:lvl9pPr algn="l" defTabSz="457200" eaLnBrk="1" hangingPunct="1" indent="-457200" latinLnBrk="0" marL="4114800" rtl="0">
+      <a:lvl9pPr algn="l" defTabSz="342900" eaLnBrk="1" hangingPunct="1" indent="-342900" latinLnBrk="0" marL="3086100" rtl="0">
         <a:spcBef>
           <a:spcPct val="20000"/>
         </a:spcBef>
         <a:buFont typeface="Arial"/>
         <a:buChar char="•"/>
-        <a:defRPr kern="1200" sz="2000">
+        <a:defRPr kern="1200" sz="1500">
           <a:solidFill>
             <a:schemeClr val="tx1"/>
           </a:solidFill>
@@ -3614,8 +3592,8 @@
       <a:defPPr>
         <a:defRPr lang="en-US"/>
       </a:defPPr>
-      <a:lvl1pPr algn="l" defTabSz="457200" eaLnBrk="1" hangingPunct="1" latinLnBrk="0" marL="0" rtl="0">
-        <a:defRPr kern="1200" sz="1800">
+      <a:lvl1pPr algn="l" defTabSz="342900" eaLnBrk="1" hangingPunct="1" latinLnBrk="0" marL="0" rtl="0">
+        <a:defRPr kern="1200" sz="1350">
           <a:solidFill>
             <a:schemeClr val="tx1"/>
           </a:solidFill>
@@ -3624,8 +3602,8 @@
           <a:cs typeface="+mn-cs"/>
         </a:defRPr>
       </a:lvl1pPr>
-      <a:lvl2pPr algn="l" defTabSz="457200" eaLnBrk="1" hangingPunct="1" latinLnBrk="0" marL="457200" rtl="0">
-        <a:defRPr kern="1200" sz="1800">
+      <a:lvl2pPr algn="l" defTabSz="342900" eaLnBrk="1" hangingPunct="1" latinLnBrk="0" marL="342900" rtl="0">
+        <a:defRPr kern="1200" sz="1350">
           <a:solidFill>
             <a:schemeClr val="tx1"/>
           </a:solidFill>
@@ -3634,8 +3612,8 @@
           <a:cs typeface="+mn-cs"/>
         </a:defRPr>
       </a:lvl2pPr>
-      <a:lvl3pPr algn="l" defTabSz="457200" eaLnBrk="1" hangingPunct="1" latinLnBrk="0" marL="914400" rtl="0">
-        <a:defRPr kern="1200" sz="1800">
+      <a:lvl3pPr algn="l" defTabSz="342900" eaLnBrk="1" hangingPunct="1" latinLnBrk="0" marL="685800" rtl="0">
+        <a:defRPr kern="1200" sz="1350">
           <a:solidFill>
             <a:schemeClr val="tx1"/>
           </a:solidFill>
@@ -3644,8 +3622,8 @@
           <a:cs typeface="+mn-cs"/>
         </a:defRPr>
       </a:lvl3pPr>
-      <a:lvl4pPr algn="l" defTabSz="457200" eaLnBrk="1" hangingPunct="1" latinLnBrk="0" marL="1371600" rtl="0">
-        <a:defRPr kern="1200" sz="1800">
+      <a:lvl4pPr algn="l" defTabSz="342900" eaLnBrk="1" hangingPunct="1" latinLnBrk="0" marL="1028700" rtl="0">
+        <a:defRPr kern="1200" sz="1350">
           <a:solidFill>
             <a:schemeClr val="tx1"/>
           </a:solidFill>
@@ -3654,8 +3632,8 @@
           <a:cs typeface="+mn-cs"/>
         </a:defRPr>
       </a:lvl4pPr>
-      <a:lvl5pPr algn="l" defTabSz="457200" eaLnBrk="1" hangingPunct="1" latinLnBrk="0" marL="1828800" rtl="0">
-        <a:defRPr kern="1200" sz="1800">
+      <a:lvl5pPr algn="l" defTabSz="342900" eaLnBrk="1" hangingPunct="1" latinLnBrk="0" marL="1371600" rtl="0">
+        <a:defRPr kern="1200" sz="1350">
           <a:solidFill>
             <a:schemeClr val="tx1"/>
           </a:solidFill>
@@ -3664,8 +3642,8 @@
           <a:cs typeface="+mn-cs"/>
         </a:defRPr>
       </a:lvl5pPr>
-      <a:lvl6pPr algn="l" defTabSz="457200" eaLnBrk="1" hangingPunct="1" latinLnBrk="0" marL="2286000" rtl="0">
-        <a:defRPr kern="1200" sz="1800">
+      <a:lvl6pPr algn="l" defTabSz="342900" eaLnBrk="1" hangingPunct="1" latinLnBrk="0" marL="1714500" rtl="0">
+        <a:defRPr kern="1200" sz="1350">
           <a:solidFill>
             <a:schemeClr val="tx1"/>
           </a:solidFill>
@@ -3674,8 +3652,8 @@
           <a:cs typeface="+mn-cs"/>
         </a:defRPr>
       </a:lvl6pPr>
-      <a:lvl7pPr algn="l" defTabSz="457200" eaLnBrk="1" hangingPunct="1" latinLnBrk="0" marL="2743200" rtl="0">
-        <a:defRPr kern="1200" sz="1800">
+      <a:lvl7pPr algn="l" defTabSz="342900" eaLnBrk="1" hangingPunct="1" latinLnBrk="0" marL="2057400" rtl="0">
+        <a:defRPr kern="1200" sz="1350">
           <a:solidFill>
             <a:schemeClr val="tx1"/>
           </a:solidFill>
@@ -3684,8 +3662,8 @@
           <a:cs typeface="+mn-cs"/>
         </a:defRPr>
       </a:lvl7pPr>
-      <a:lvl8pPr algn="l" defTabSz="457200" eaLnBrk="1" hangingPunct="1" latinLnBrk="0" marL="3200400" rtl="0">
-        <a:defRPr kern="1200" sz="1800">
+      <a:lvl8pPr algn="l" defTabSz="342900" eaLnBrk="1" hangingPunct="1" latinLnBrk="0" marL="2400300" rtl="0">
+        <a:defRPr kern="1200" sz="1350">
           <a:solidFill>
             <a:schemeClr val="tx1"/>
           </a:solidFill>
@@ -3694,8 +3672,8 @@
           <a:cs typeface="+mn-cs"/>
         </a:defRPr>
       </a:lvl8pPr>
-      <a:lvl9pPr algn="l" defTabSz="457200" eaLnBrk="1" hangingPunct="1" latinLnBrk="0" marL="3657600" rtl="0">
-        <a:defRPr kern="1200" sz="1800">
+      <a:lvl9pPr algn="l" defTabSz="342900" eaLnBrk="1" hangingPunct="1" latinLnBrk="0" marL="2743200" rtl="0">
+        <a:defRPr kern="1200" sz="1350">
           <a:solidFill>
             <a:schemeClr val="tx1"/>
           </a:solidFill>
@@ -3742,8 +3720,8 @@
         </p:blipFill>
         <p:spPr bwMode="auto">
           <a:xfrm>
-            <a:off x="2565400" y="1600200"/>
-            <a:ext cx="4013200" cy="4013200"/>
+            <a:off x="3124200" y="1193800"/>
+            <a:ext cx="2882900" cy="2882900"/>
           </a:xfrm>
           <a:prstGeom prst="rect">
             <a:avLst/>
@@ -3764,7 +3742,7 @@
         </p:nvSpPr>
         <p:spPr>
           <a:xfrm>
-            <a:off x="457200" y="5613400"/>
+            <a:off x="457200" y="4076700"/>
             <a:ext cx="8229600" cy="508000"/>
           </a:xfrm>
           <a:prstGeom prst="rect">
@@ -3819,8 +3797,8 @@
           </p:nvPr>
         </p:nvGraphicFramePr>
         <p:xfrm>
-          <a:off x="457200" y="1600200"/>
-          <a:ext cx="8229600" cy="4013200"/>
+          <a:off x="457200" y="1193800"/>
+          <a:ext cx="8229600" cy="2882900"/>
         </p:xfrm>
         <a:graphic>
           <a:graphicData uri="http://schemas.openxmlformats.org/drawingml/2006/table">
@@ -4098,7 +4076,7 @@
         </p:nvSpPr>
         <p:spPr>
           <a:xfrm>
-            <a:off x="457200" y="5613400"/>
+            <a:off x="457200" y="4076700"/>
             <a:ext cx="8229600" cy="508000"/>
           </a:xfrm>
           <a:prstGeom prst="rect">
